--- a/Splash-2024-slides.pptx
+++ b/Splash-2024-slides.pptx
@@ -126,6 +126,11 @@
       </a:defRPr>
     </a:lvl9pPr>
   </p:defaultTextStyle>
+  <p:extLst>
+    <p:ext uri="{EFAFB233-063F-42B5-8137-9DF3F51BA10A}">
+      <p15:sldGuideLst xmlns:p15="http://schemas.microsoft.com/office/powerpoint/2012/main"/>
+    </p:ext>
+  </p:extLst>
 </p:presentation>
 </file>
 
@@ -142,18 +147,18 @@
   <pc:docChgLst>
     <pc:chgData name="Doran Goldman" userId="2cabf5198df83f90" providerId="LiveId" clId="{A663766E-7B16-4BE8-9104-37D45A54327A}"/>
     <pc:docChg chg="undo custSel addSld delSld modSld sldOrd modMainMaster">
-      <pc:chgData name="Doran Goldman" userId="2cabf5198df83f90" providerId="LiveId" clId="{A663766E-7B16-4BE8-9104-37D45A54327A}" dt="2024-05-18T07:06:26.844" v="7705" actId="1076"/>
+      <pc:chgData name="Doran Goldman" userId="2cabf5198df83f90" providerId="LiveId" clId="{A663766E-7B16-4BE8-9104-37D45A54327A}" dt="2024-05-18T18:14:56.435" v="7875" actId="20577"/>
       <pc:docMkLst>
         <pc:docMk/>
       </pc:docMkLst>
-      <pc:sldChg chg="modSp new mod">
-        <pc:chgData name="Doran Goldman" userId="2cabf5198df83f90" providerId="LiveId" clId="{A663766E-7B16-4BE8-9104-37D45A54327A}" dt="2024-05-17T17:23:30.942" v="97" actId="1076"/>
+      <pc:sldChg chg="addSp delSp modSp new mod">
+        <pc:chgData name="Doran Goldman" userId="2cabf5198df83f90" providerId="LiveId" clId="{A663766E-7B16-4BE8-9104-37D45A54327A}" dt="2024-05-18T08:22:24.747" v="7765" actId="1076"/>
         <pc:sldMkLst>
           <pc:docMk/>
           <pc:sldMk cId="1553196128" sldId="256"/>
         </pc:sldMkLst>
         <pc:spChg chg="mod">
-          <ac:chgData name="Doran Goldman" userId="2cabf5198df83f90" providerId="LiveId" clId="{A663766E-7B16-4BE8-9104-37D45A54327A}" dt="2024-05-17T17:23:30.942" v="97" actId="1076"/>
+          <ac:chgData name="Doran Goldman" userId="2cabf5198df83f90" providerId="LiveId" clId="{A663766E-7B16-4BE8-9104-37D45A54327A}" dt="2024-05-18T08:21:21.097" v="7754" actId="1076"/>
           <ac:spMkLst>
             <pc:docMk/>
             <pc:sldMk cId="1553196128" sldId="256"/>
@@ -161,13 +166,29 @@
           </ac:spMkLst>
         </pc:spChg>
         <pc:spChg chg="mod">
-          <ac:chgData name="Doran Goldman" userId="2cabf5198df83f90" providerId="LiveId" clId="{A663766E-7B16-4BE8-9104-37D45A54327A}" dt="2024-05-17T17:23:30.942" v="97" actId="1076"/>
+          <ac:chgData name="Doran Goldman" userId="2cabf5198df83f90" providerId="LiveId" clId="{A663766E-7B16-4BE8-9104-37D45A54327A}" dt="2024-05-18T08:21:21.097" v="7754" actId="1076"/>
           <ac:spMkLst>
             <pc:docMk/>
             <pc:sldMk cId="1553196128" sldId="256"/>
             <ac:spMk id="3" creationId="{3D9CA81F-AA5E-C7EA-187C-940DA0BFF721}"/>
           </ac:spMkLst>
         </pc:spChg>
+        <pc:picChg chg="add mod">
+          <ac:chgData name="Doran Goldman" userId="2cabf5198df83f90" providerId="LiveId" clId="{A663766E-7B16-4BE8-9104-37D45A54327A}" dt="2024-05-18T08:22:24.747" v="7765" actId="1076"/>
+          <ac:picMkLst>
+            <pc:docMk/>
+            <pc:sldMk cId="1553196128" sldId="256"/>
+            <ac:picMk id="4" creationId="{90A92A5E-76E3-9B99-E0B4-57BB0EDCA32E}"/>
+          </ac:picMkLst>
+        </pc:picChg>
+        <pc:picChg chg="add del mod">
+          <ac:chgData name="Doran Goldman" userId="2cabf5198df83f90" providerId="LiveId" clId="{A663766E-7B16-4BE8-9104-37D45A54327A}" dt="2024-05-18T08:21:40.091" v="7760" actId="478"/>
+          <ac:picMkLst>
+            <pc:docMk/>
+            <pc:sldMk cId="1553196128" sldId="256"/>
+            <ac:picMk id="5" creationId="{B5630FEA-D4CF-6FBE-E745-B72BC2BC8510}"/>
+          </ac:picMkLst>
+        </pc:picChg>
       </pc:sldChg>
       <pc:sldChg chg="addSp delSp modSp new del mod">
         <pc:chgData name="Doran Goldman" userId="2cabf5198df83f90" providerId="LiveId" clId="{A663766E-7B16-4BE8-9104-37D45A54327A}" dt="2024-05-17T17:24:58.580" v="122" actId="47"/>
@@ -231,8 +252,8 @@
           </ac:spMkLst>
         </pc:spChg>
       </pc:sldChg>
-      <pc:sldChg chg="addSp modSp new mod">
-        <pc:chgData name="Doran Goldman" userId="2cabf5198df83f90" providerId="LiveId" clId="{A663766E-7B16-4BE8-9104-37D45A54327A}" dt="2024-05-18T04:03:35.884" v="5514" actId="1076"/>
+      <pc:sldChg chg="addSp modSp new mod modAnim">
+        <pc:chgData name="Doran Goldman" userId="2cabf5198df83f90" providerId="LiveId" clId="{A663766E-7B16-4BE8-9104-37D45A54327A}" dt="2024-05-18T08:24:51.368" v="7825"/>
         <pc:sldMkLst>
           <pc:docMk/>
           <pc:sldMk cId="2343984798" sldId="259"/>
@@ -246,13 +267,29 @@
           </ac:spMkLst>
         </pc:spChg>
         <pc:spChg chg="add mod">
-          <ac:chgData name="Doran Goldman" userId="2cabf5198df83f90" providerId="LiveId" clId="{A663766E-7B16-4BE8-9104-37D45A54327A}" dt="2024-05-18T01:29:39.123" v="4087" actId="5793"/>
+          <ac:chgData name="Doran Goldman" userId="2cabf5198df83f90" providerId="LiveId" clId="{A663766E-7B16-4BE8-9104-37D45A54327A}" dt="2024-05-18T08:24:38.187" v="7821" actId="20577"/>
           <ac:spMkLst>
             <pc:docMk/>
             <pc:sldMk cId="2343984798" sldId="259"/>
             <ac:spMk id="3" creationId="{F06C1989-C355-524D-2C8D-0320AE0E64E3}"/>
           </ac:spMkLst>
         </pc:spChg>
+        <pc:picChg chg="add mod">
+          <ac:chgData name="Doran Goldman" userId="2cabf5198df83f90" providerId="LiveId" clId="{A663766E-7B16-4BE8-9104-37D45A54327A}" dt="2024-05-18T08:24:42.722" v="7822" actId="1076"/>
+          <ac:picMkLst>
+            <pc:docMk/>
+            <pc:sldMk cId="2343984798" sldId="259"/>
+            <ac:picMk id="5" creationId="{D5494FAE-A423-9373-AEAC-4B99B0F709BD}"/>
+          </ac:picMkLst>
+        </pc:picChg>
+        <pc:picChg chg="add mod">
+          <ac:chgData name="Doran Goldman" userId="2cabf5198df83f90" providerId="LiveId" clId="{A663766E-7B16-4BE8-9104-37D45A54327A}" dt="2024-05-18T08:24:44.667" v="7823" actId="1076"/>
+          <ac:picMkLst>
+            <pc:docMk/>
+            <pc:sldMk cId="2343984798" sldId="259"/>
+            <ac:picMk id="7" creationId="{77144AA8-CAB4-81D9-CD59-1454A6501B32}"/>
+          </ac:picMkLst>
+        </pc:picChg>
         <pc:picChg chg="add mod">
           <ac:chgData name="Doran Goldman" userId="2cabf5198df83f90" providerId="LiveId" clId="{A663766E-7B16-4BE8-9104-37D45A54327A}" dt="2024-05-17T22:19:11.779" v="971" actId="1076"/>
           <ac:picMkLst>
@@ -317,8 +354,8 @@
           </ac:picMkLst>
         </pc:picChg>
       </pc:sldChg>
-      <pc:sldChg chg="addSp delSp modSp add mod">
-        <pc:chgData name="Doran Goldman" userId="2cabf5198df83f90" providerId="LiveId" clId="{A663766E-7B16-4BE8-9104-37D45A54327A}" dt="2024-05-18T01:29:51.367" v="4093" actId="5793"/>
+      <pc:sldChg chg="addSp delSp modSp add mod modAnim">
+        <pc:chgData name="Doran Goldman" userId="2cabf5198df83f90" providerId="LiveId" clId="{A663766E-7B16-4BE8-9104-37D45A54327A}" dt="2024-05-18T08:25:16.077" v="7827"/>
         <pc:sldMkLst>
           <pc:docMk/>
           <pc:sldMk cId="1105752529" sldId="261"/>
@@ -429,7 +466,7 @@
         </pc:picChg>
       </pc:sldChg>
       <pc:sldChg chg="addSp delSp modSp add mod modAnim">
-        <pc:chgData name="Doran Goldman" userId="2cabf5198df83f90" providerId="LiveId" clId="{A663766E-7B16-4BE8-9104-37D45A54327A}" dt="2024-05-18T01:06:36.370" v="3633" actId="1076"/>
+        <pc:chgData name="Doran Goldman" userId="2cabf5198df83f90" providerId="LiveId" clId="{A663766E-7B16-4BE8-9104-37D45A54327A}" dt="2024-05-18T08:26:14.651" v="7831"/>
         <pc:sldMkLst>
           <pc:docMk/>
           <pc:sldMk cId="2254418916" sldId="262"/>
@@ -883,7 +920,7 @@
         </pc:picChg>
       </pc:sldChg>
       <pc:sldChg chg="addSp delSp modSp add mod modAnim">
-        <pc:chgData name="Doran Goldman" userId="2cabf5198df83f90" providerId="LiveId" clId="{A663766E-7B16-4BE8-9104-37D45A54327A}" dt="2024-05-18T02:08:13.076" v="4890" actId="1076"/>
+        <pc:chgData name="Doran Goldman" userId="2cabf5198df83f90" providerId="LiveId" clId="{A663766E-7B16-4BE8-9104-37D45A54327A}" dt="2024-05-18T08:27:40.644" v="7839"/>
         <pc:sldMkLst>
           <pc:docMk/>
           <pc:sldMk cId="367244453" sldId="264"/>
@@ -1321,8 +1358,8 @@
           </ac:cxnSpMkLst>
         </pc:cxnChg>
       </pc:sldChg>
-      <pc:sldChg chg="addSp delSp modSp add mod">
-        <pc:chgData name="Doran Goldman" userId="2cabf5198df83f90" providerId="LiveId" clId="{A663766E-7B16-4BE8-9104-37D45A54327A}" dt="2024-05-18T01:43:06.251" v="4697" actId="2711"/>
+      <pc:sldChg chg="addSp delSp modSp add mod modAnim">
+        <pc:chgData name="Doran Goldman" userId="2cabf5198df83f90" providerId="LiveId" clId="{A663766E-7B16-4BE8-9104-37D45A54327A}" dt="2024-05-18T08:28:26.964" v="7844"/>
         <pc:sldMkLst>
           <pc:docMk/>
           <pc:sldMk cId="2860165475" sldId="265"/>
@@ -1990,8 +2027,8 @@
           </ac:cxnSpMkLst>
         </pc:cxnChg>
       </pc:sldChg>
-      <pc:sldChg chg="modSp add mod ord">
-        <pc:chgData name="Doran Goldman" userId="2cabf5198df83f90" providerId="LiveId" clId="{A663766E-7B16-4BE8-9104-37D45A54327A}" dt="2024-05-18T06:15:31.315" v="7695" actId="14826"/>
+      <pc:sldChg chg="modSp add mod ord modAnim">
+        <pc:chgData name="Doran Goldman" userId="2cabf5198df83f90" providerId="LiveId" clId="{A663766E-7B16-4BE8-9104-37D45A54327A}" dt="2024-05-18T08:28:41.939" v="7846"/>
         <pc:sldMkLst>
           <pc:docMk/>
           <pc:sldMk cId="2119374499" sldId="268"/>
@@ -2350,7 +2387,7 @@
         </pc:picChg>
       </pc:sldChg>
       <pc:sldChg chg="addSp delSp modSp add mod">
-        <pc:chgData name="Doran Goldman" userId="2cabf5198df83f90" providerId="LiveId" clId="{A663766E-7B16-4BE8-9104-37D45A54327A}" dt="2024-05-18T07:06:26.844" v="7705" actId="1076"/>
+        <pc:chgData name="Doran Goldman" userId="2cabf5198df83f90" providerId="LiveId" clId="{A663766E-7B16-4BE8-9104-37D45A54327A}" dt="2024-05-18T18:14:56.435" v="7875" actId="20577"/>
         <pc:sldMkLst>
           <pc:docMk/>
           <pc:sldMk cId="3406175799" sldId="275"/>
@@ -2361,6 +2398,14 @@
             <pc:docMk/>
             <pc:sldMk cId="3406175799" sldId="275"/>
             <ac:spMk id="2" creationId="{3AAD9284-9B61-9F10-464E-806EB2E0B35C}"/>
+          </ac:spMkLst>
+        </pc:spChg>
+        <pc:spChg chg="mod">
+          <ac:chgData name="Doran Goldman" userId="2cabf5198df83f90" providerId="LiveId" clId="{A663766E-7B16-4BE8-9104-37D45A54327A}" dt="2024-05-18T18:14:56.435" v="7875" actId="20577"/>
+          <ac:spMkLst>
+            <pc:docMk/>
+            <pc:sldMk cId="3406175799" sldId="275"/>
+            <ac:spMk id="4" creationId="{3F19C280-0933-68CD-7249-E5F32F63314F}"/>
           </ac:spMkLst>
         </pc:spChg>
         <pc:spChg chg="add del">
@@ -2555,7 +2600,7 @@
           <a:p>
             <a:fld id="{09E294B7-0565-45EB-9922-8571B411BBDE}" type="datetimeFigureOut">
               <a:rPr lang="en-US" smtClean="0"/>
-              <a:t>5/17/2024</a:t>
+              <a:t>5/18/2024</a:t>
             </a:fld>
             <a:endParaRPr lang="en-US"/>
           </a:p>
@@ -3683,27 +3728,14 @@
         </p:nvSpPr>
         <p:spPr>
           <a:xfrm>
-            <a:off x="1524000" y="1062205"/>
-            <a:ext cx="9144000" cy="2387600"/>
+            <a:off x="1524000" y="2382632"/>
+            <a:ext cx="9144000" cy="688558"/>
           </a:xfrm>
         </p:spPr>
         <p:txBody>
           <a:bodyPr/>
           <a:lstStyle/>
           <a:p>
-            <a:r>
-              <a:rPr lang="en-US" sz="4000" dirty="0">
-                <a:latin typeface="Segoe UI" panose="020B0502040204020203" pitchFamily="34" charset="0"/>
-                <a:cs typeface="Segoe UI" panose="020B0502040204020203" pitchFamily="34" charset="0"/>
-              </a:rPr>
-              <a:t>Stanford Splash 2024:</a:t>
-            </a:r>
-            <a:br>
-              <a:rPr lang="en-US" sz="4000" dirty="0">
-                <a:latin typeface="Segoe UI" panose="020B0502040204020203" pitchFamily="34" charset="0"/>
-                <a:cs typeface="Segoe UI" panose="020B0502040204020203" pitchFamily="34" charset="0"/>
-              </a:rPr>
-            </a:br>
             <a:r>
               <a:rPr lang="en-US" sz="4000" dirty="0">
                 <a:latin typeface="Segoe UI" panose="020B0502040204020203" pitchFamily="34" charset="0"/>
@@ -3732,8 +3764,8 @@
         </p:nvSpPr>
         <p:spPr>
           <a:xfrm>
-            <a:off x="1524000" y="3926891"/>
-            <a:ext cx="9144000" cy="446588"/>
+            <a:off x="1524000" y="3218466"/>
+            <a:ext cx="9144000" cy="933866"/>
           </a:xfrm>
         </p:spPr>
         <p:txBody>
@@ -3748,8 +3780,121 @@
               <a:t>Doran Goldman</a:t>
             </a:r>
           </a:p>
+          <a:p>
+            <a:r>
+              <a:rPr lang="en-US" dirty="0">
+                <a:latin typeface="Segoe UI" panose="020B0502040204020203" pitchFamily="34" charset="0"/>
+                <a:cs typeface="Segoe UI" panose="020B0502040204020203" pitchFamily="34" charset="0"/>
+              </a:rPr>
+              <a:t>Stanford Splash Spring 2024</a:t>
+            </a:r>
+          </a:p>
         </p:txBody>
       </p:sp>
+      <p:pic>
+        <p:nvPicPr>
+          <p:cNvPr id="4" name="Picture 3">
+            <a:extLst>
+              <a:ext uri="{FF2B5EF4-FFF2-40B4-BE49-F238E27FC236}">
+                <a16:creationId xmlns:a16="http://schemas.microsoft.com/office/drawing/2014/main" id="{90A92A5E-76E3-9B99-E0B4-57BB0EDCA32E}"/>
+              </a:ext>
+            </a:extLst>
+          </p:cNvPr>
+          <p:cNvPicPr>
+            <a:picLocks noChangeAspect="1"/>
+          </p:cNvPicPr>
+          <p:nvPr/>
+        </p:nvPicPr>
+        <p:blipFill rotWithShape="1">
+          <a:blip r:embed="rId2"/>
+          <a:srcRect l="45809" t="16109" r="32636" b="15328"/>
+          <a:stretch/>
+        </p:blipFill>
+        <p:spPr>
+          <a:xfrm>
+            <a:off x="9167191" y="3333263"/>
+            <a:ext cx="933320" cy="1482370"/>
+          </a:xfrm>
+          <a:custGeom>
+            <a:avLst/>
+            <a:gdLst>
+              <a:gd name="connsiteX0" fmla="*/ 312057 w 1277257"/>
+              <a:gd name="connsiteY0" fmla="*/ 0 h 2028635"/>
+              <a:gd name="connsiteX1" fmla="*/ 963075 w 1277257"/>
+              <a:gd name="connsiteY1" fmla="*/ 0 h 2028635"/>
+              <a:gd name="connsiteX2" fmla="*/ 963075 w 1277257"/>
+              <a:gd name="connsiteY2" fmla="*/ 741052 h 2028635"/>
+              <a:gd name="connsiteX3" fmla="*/ 1277257 w 1277257"/>
+              <a:gd name="connsiteY3" fmla="*/ 741052 h 2028635"/>
+              <a:gd name="connsiteX4" fmla="*/ 1277257 w 1277257"/>
+              <a:gd name="connsiteY4" fmla="*/ 2028635 h 2028635"/>
+              <a:gd name="connsiteX5" fmla="*/ 0 w 1277257"/>
+              <a:gd name="connsiteY5" fmla="*/ 2028635 h 2028635"/>
+              <a:gd name="connsiteX6" fmla="*/ 0 w 1277257"/>
+              <a:gd name="connsiteY6" fmla="*/ 713864 h 2028635"/>
+              <a:gd name="connsiteX7" fmla="*/ 312057 w 1277257"/>
+              <a:gd name="connsiteY7" fmla="*/ 713864 h 2028635"/>
+            </a:gdLst>
+            <a:ahLst/>
+            <a:cxnLst>
+              <a:cxn ang="0">
+                <a:pos x="connsiteX0" y="connsiteY0"/>
+              </a:cxn>
+              <a:cxn ang="0">
+                <a:pos x="connsiteX1" y="connsiteY1"/>
+              </a:cxn>
+              <a:cxn ang="0">
+                <a:pos x="connsiteX2" y="connsiteY2"/>
+              </a:cxn>
+              <a:cxn ang="0">
+                <a:pos x="connsiteX3" y="connsiteY3"/>
+              </a:cxn>
+              <a:cxn ang="0">
+                <a:pos x="connsiteX4" y="connsiteY4"/>
+              </a:cxn>
+              <a:cxn ang="0">
+                <a:pos x="connsiteX5" y="connsiteY5"/>
+              </a:cxn>
+              <a:cxn ang="0">
+                <a:pos x="connsiteX6" y="connsiteY6"/>
+              </a:cxn>
+              <a:cxn ang="0">
+                <a:pos x="connsiteX7" y="connsiteY7"/>
+              </a:cxn>
+            </a:cxnLst>
+            <a:rect l="l" t="t" r="r" b="b"/>
+            <a:pathLst>
+              <a:path w="1277257" h="2028635">
+                <a:moveTo>
+                  <a:pt x="312057" y="0"/>
+                </a:moveTo>
+                <a:lnTo>
+                  <a:pt x="963075" y="0"/>
+                </a:lnTo>
+                <a:lnTo>
+                  <a:pt x="963075" y="741052"/>
+                </a:lnTo>
+                <a:lnTo>
+                  <a:pt x="1277257" y="741052"/>
+                </a:lnTo>
+                <a:lnTo>
+                  <a:pt x="1277257" y="2028635"/>
+                </a:lnTo>
+                <a:lnTo>
+                  <a:pt x="0" y="2028635"/>
+                </a:lnTo>
+                <a:lnTo>
+                  <a:pt x="0" y="713864"/>
+                </a:lnTo>
+                <a:lnTo>
+                  <a:pt x="312057" y="713864"/>
+                </a:lnTo>
+                <a:close/>
+              </a:path>
+            </a:pathLst>
+          </a:custGeom>
+        </p:spPr>
+      </p:pic>
     </p:spTree>
     <p:extLst>
       <p:ext uri="{BB962C8B-B14F-4D97-AF65-F5344CB8AC3E}">
@@ -5675,6 +5820,157 @@
   <p:clrMapOvr>
     <a:masterClrMapping/>
   </p:clrMapOvr>
+  <p:timing>
+    <p:tnLst>
+      <p:par>
+        <p:cTn id="1" dur="indefinite" restart="never" nodeType="tmRoot">
+          <p:childTnLst>
+            <p:seq concurrent="1" nextAc="seek">
+              <p:cTn id="2" dur="indefinite" nodeType="mainSeq">
+                <p:childTnLst>
+                  <p:par>
+                    <p:cTn id="3" fill="hold">
+                      <p:stCondLst>
+                        <p:cond delay="indefinite"/>
+                      </p:stCondLst>
+                      <p:childTnLst>
+                        <p:par>
+                          <p:cTn id="4" fill="hold">
+                            <p:stCondLst>
+                              <p:cond delay="0"/>
+                            </p:stCondLst>
+                            <p:childTnLst>
+                              <p:par>
+                                <p:cTn id="5" presetID="1" presetClass="entr" presetSubtype="0" fill="hold" grpId="0" nodeType="clickEffect">
+                                  <p:stCondLst>
+                                    <p:cond delay="0"/>
+                                  </p:stCondLst>
+                                  <p:childTnLst>
+                                    <p:set>
+                                      <p:cBhvr>
+                                        <p:cTn id="6" dur="1" fill="hold">
+                                          <p:stCondLst>
+                                            <p:cond delay="0"/>
+                                          </p:stCondLst>
+                                        </p:cTn>
+                                        <p:tgtEl>
+                                          <p:spTgt spid="6"/>
+                                        </p:tgtEl>
+                                        <p:attrNameLst>
+                                          <p:attrName>style.visibility</p:attrName>
+                                        </p:attrNameLst>
+                                      </p:cBhvr>
+                                      <p:to>
+                                        <p:strVal val="visible"/>
+                                      </p:to>
+                                    </p:set>
+                                  </p:childTnLst>
+                                </p:cTn>
+                              </p:par>
+                              <p:par>
+                                <p:cTn id="7" presetID="1" presetClass="entr" presetSubtype="0" fill="hold" nodeType="withEffect">
+                                  <p:stCondLst>
+                                    <p:cond delay="0"/>
+                                  </p:stCondLst>
+                                  <p:childTnLst>
+                                    <p:set>
+                                      <p:cBhvr>
+                                        <p:cTn id="8" dur="1" fill="hold">
+                                          <p:stCondLst>
+                                            <p:cond delay="0"/>
+                                          </p:stCondLst>
+                                        </p:cTn>
+                                        <p:tgtEl>
+                                          <p:spTgt spid="3"/>
+                                        </p:tgtEl>
+                                        <p:attrNameLst>
+                                          <p:attrName>style.visibility</p:attrName>
+                                        </p:attrNameLst>
+                                      </p:cBhvr>
+                                      <p:to>
+                                        <p:strVal val="visible"/>
+                                      </p:to>
+                                    </p:set>
+                                  </p:childTnLst>
+                                </p:cTn>
+                              </p:par>
+                            </p:childTnLst>
+                          </p:cTn>
+                        </p:par>
+                      </p:childTnLst>
+                    </p:cTn>
+                  </p:par>
+                  <p:par>
+                    <p:cTn id="9" fill="hold">
+                      <p:stCondLst>
+                        <p:cond delay="indefinite"/>
+                      </p:stCondLst>
+                      <p:childTnLst>
+                        <p:par>
+                          <p:cTn id="10" fill="hold">
+                            <p:stCondLst>
+                              <p:cond delay="0"/>
+                            </p:stCondLst>
+                            <p:childTnLst>
+                              <p:par>
+                                <p:cTn id="11" presetID="1" presetClass="entr" presetSubtype="0" fill="hold" grpId="0" nodeType="clickEffect">
+                                  <p:stCondLst>
+                                    <p:cond delay="0"/>
+                                  </p:stCondLst>
+                                  <p:childTnLst>
+                                    <p:set>
+                                      <p:cBhvr>
+                                        <p:cTn id="12" dur="1" fill="hold">
+                                          <p:stCondLst>
+                                            <p:cond delay="0"/>
+                                          </p:stCondLst>
+                                        </p:cTn>
+                                        <p:tgtEl>
+                                          <p:spTgt spid="26"/>
+                                        </p:tgtEl>
+                                        <p:attrNameLst>
+                                          <p:attrName>style.visibility</p:attrName>
+                                        </p:attrNameLst>
+                                      </p:cBhvr>
+                                      <p:to>
+                                        <p:strVal val="visible"/>
+                                      </p:to>
+                                    </p:set>
+                                  </p:childTnLst>
+                                </p:cTn>
+                              </p:par>
+                            </p:childTnLst>
+                          </p:cTn>
+                        </p:par>
+                      </p:childTnLst>
+                    </p:cTn>
+                  </p:par>
+                </p:childTnLst>
+              </p:cTn>
+              <p:prevCondLst>
+                <p:cond evt="onPrev" delay="0">
+                  <p:tgtEl>
+                    <p:sldTgt/>
+                  </p:tgtEl>
+                </p:cond>
+              </p:prevCondLst>
+              <p:nextCondLst>
+                <p:cond evt="onNext" delay="0">
+                  <p:tgtEl>
+                    <p:sldTgt/>
+                  </p:tgtEl>
+                </p:cond>
+              </p:nextCondLst>
+            </p:seq>
+          </p:childTnLst>
+        </p:cTn>
+      </p:par>
+    </p:tnLst>
+    <p:bldLst>
+      <p:bldP spid="6" grpId="0"/>
+      <p:bldP spid="26" grpId="0"/>
+    </p:bldLst>
+  </p:timing>
 </p:sld>
 </file>
 
@@ -6751,7 +7047,7 @@
           <a:p>
             <a:r>
               <a:rPr lang="en-US" dirty="0"/>
-              <a:t>Correlation of OTU diversity across antibiotic doses.</a:t>
+              <a:t>Correlation of OTU relative abundances across replicates.</a:t>
             </a:r>
           </a:p>
         </p:txBody>
@@ -7158,7 +7454,7 @@
         <p:spPr>
           <a:xfrm>
             <a:off x="371977" y="1407695"/>
-            <a:ext cx="9108908" cy="3046988"/>
+            <a:ext cx="9108908" cy="3416320"/>
           </a:xfrm>
           <a:prstGeom prst="rect">
             <a:avLst/>
@@ -7210,7 +7506,7 @@
                 <a:latin typeface="Segoe UI Light" panose="020B0502040204020203" pitchFamily="34" charset="0"/>
                 <a:cs typeface="Segoe UI Light" panose="020B0502040204020203" pitchFamily="34" charset="0"/>
               </a:rPr>
-              <a:t>Used in many statistics, bio courses – but often poorly taught?</a:t>
+              <a:t>Used in many statistics, bio courses – but often not the primary teaching focus.</a:t>
             </a:r>
           </a:p>
           <a:p>
@@ -7366,6 +7662,66 @@
           </a:extLst>
         </p:spPr>
       </p:pic>
+      <p:pic>
+        <p:nvPicPr>
+          <p:cNvPr id="5" name="Picture 4">
+            <a:extLst>
+              <a:ext uri="{FF2B5EF4-FFF2-40B4-BE49-F238E27FC236}">
+                <a16:creationId xmlns:a16="http://schemas.microsoft.com/office/drawing/2014/main" id="{D5494FAE-A423-9373-AEAC-4B99B0F709BD}"/>
+              </a:ext>
+            </a:extLst>
+          </p:cNvPr>
+          <p:cNvPicPr>
+            <a:picLocks noChangeAspect="1"/>
+          </p:cNvPicPr>
+          <p:nvPr/>
+        </p:nvPicPr>
+        <p:blipFill>
+          <a:blip r:embed="rId5"/>
+          <a:stretch>
+            <a:fillRect/>
+          </a:stretch>
+        </p:blipFill>
+        <p:spPr>
+          <a:xfrm>
+            <a:off x="371977" y="4598572"/>
+            <a:ext cx="4494797" cy="1040705"/>
+          </a:xfrm>
+          <a:prstGeom prst="rect">
+            <a:avLst/>
+          </a:prstGeom>
+        </p:spPr>
+      </p:pic>
+      <p:pic>
+        <p:nvPicPr>
+          <p:cNvPr id="7" name="Picture 6">
+            <a:extLst>
+              <a:ext uri="{FF2B5EF4-FFF2-40B4-BE49-F238E27FC236}">
+                <a16:creationId xmlns:a16="http://schemas.microsoft.com/office/drawing/2014/main" id="{77144AA8-CAB4-81D9-CD59-1454A6501B32}"/>
+              </a:ext>
+            </a:extLst>
+          </p:cNvPr>
+          <p:cNvPicPr>
+            <a:picLocks noChangeAspect="1"/>
+          </p:cNvPicPr>
+          <p:nvPr/>
+        </p:nvPicPr>
+        <p:blipFill>
+          <a:blip r:embed="rId6"/>
+          <a:stretch>
+            <a:fillRect/>
+          </a:stretch>
+        </p:blipFill>
+        <p:spPr>
+          <a:xfrm>
+            <a:off x="4664434" y="5203319"/>
+            <a:ext cx="3896035" cy="1354032"/>
+          </a:xfrm>
+          <a:prstGeom prst="rect">
+            <a:avLst/>
+          </a:prstGeom>
+        </p:spPr>
+      </p:pic>
     </p:spTree>
     <p:extLst>
       <p:ext uri="{BB962C8B-B14F-4D97-AF65-F5344CB8AC3E}">
@@ -7376,6 +7732,139 @@
   <p:clrMapOvr>
     <a:masterClrMapping/>
   </p:clrMapOvr>
+  <p:timing>
+    <p:tnLst>
+      <p:par>
+        <p:cTn id="1" dur="indefinite" restart="never" nodeType="tmRoot">
+          <p:childTnLst>
+            <p:seq concurrent="1" nextAc="seek">
+              <p:cTn id="2" dur="indefinite" nodeType="mainSeq">
+                <p:childTnLst>
+                  <p:par>
+                    <p:cTn id="3" fill="hold">
+                      <p:stCondLst>
+                        <p:cond delay="indefinite"/>
+                      </p:stCondLst>
+                      <p:childTnLst>
+                        <p:par>
+                          <p:cTn id="4" fill="hold">
+                            <p:stCondLst>
+                              <p:cond delay="0"/>
+                            </p:stCondLst>
+                            <p:childTnLst>
+                              <p:par>
+                                <p:cTn id="5" presetID="1" presetClass="entr" presetSubtype="0" fill="hold" nodeType="clickEffect">
+                                  <p:stCondLst>
+                                    <p:cond delay="0"/>
+                                  </p:stCondLst>
+                                  <p:childTnLst>
+                                    <p:set>
+                                      <p:cBhvr>
+                                        <p:cTn id="6" dur="1" fill="hold">
+                                          <p:stCondLst>
+                                            <p:cond delay="0"/>
+                                          </p:stCondLst>
+                                        </p:cTn>
+                                        <p:tgtEl>
+                                          <p:spTgt spid="3">
+                                            <p:txEl>
+                                              <p:pRg st="4" end="4"/>
+                                            </p:txEl>
+                                          </p:spTgt>
+                                        </p:tgtEl>
+                                        <p:attrNameLst>
+                                          <p:attrName>style.visibility</p:attrName>
+                                        </p:attrNameLst>
+                                      </p:cBhvr>
+                                      <p:to>
+                                        <p:strVal val="visible"/>
+                                      </p:to>
+                                    </p:set>
+                                  </p:childTnLst>
+                                </p:cTn>
+                              </p:par>
+                              <p:par>
+                                <p:cTn id="7" presetID="1" presetClass="entr" presetSubtype="0" fill="hold" nodeType="withEffect">
+                                  <p:stCondLst>
+                                    <p:cond delay="0"/>
+                                  </p:stCondLst>
+                                  <p:childTnLst>
+                                    <p:set>
+                                      <p:cBhvr>
+                                        <p:cTn id="8" dur="1" fill="hold">
+                                          <p:stCondLst>
+                                            <p:cond delay="0"/>
+                                          </p:stCondLst>
+                                        </p:cTn>
+                                        <p:tgtEl>
+                                          <p:spTgt spid="7"/>
+                                        </p:tgtEl>
+                                        <p:attrNameLst>
+                                          <p:attrName>style.visibility</p:attrName>
+                                        </p:attrNameLst>
+                                      </p:cBhvr>
+                                      <p:to>
+                                        <p:strVal val="visible"/>
+                                      </p:to>
+                                    </p:set>
+                                  </p:childTnLst>
+                                </p:cTn>
+                              </p:par>
+                              <p:par>
+                                <p:cTn id="9" presetID="1" presetClass="entr" presetSubtype="0" fill="hold" nodeType="withEffect">
+                                  <p:stCondLst>
+                                    <p:cond delay="0"/>
+                                  </p:stCondLst>
+                                  <p:childTnLst>
+                                    <p:set>
+                                      <p:cBhvr>
+                                        <p:cTn id="10" dur="1" fill="hold">
+                                          <p:stCondLst>
+                                            <p:cond delay="0"/>
+                                          </p:stCondLst>
+                                        </p:cTn>
+                                        <p:tgtEl>
+                                          <p:spTgt spid="5"/>
+                                        </p:tgtEl>
+                                        <p:attrNameLst>
+                                          <p:attrName>style.visibility</p:attrName>
+                                        </p:attrNameLst>
+                                      </p:cBhvr>
+                                      <p:to>
+                                        <p:strVal val="visible"/>
+                                      </p:to>
+                                    </p:set>
+                                  </p:childTnLst>
+                                </p:cTn>
+                              </p:par>
+                            </p:childTnLst>
+                          </p:cTn>
+                        </p:par>
+                      </p:childTnLst>
+                    </p:cTn>
+                  </p:par>
+                </p:childTnLst>
+              </p:cTn>
+              <p:prevCondLst>
+                <p:cond evt="onPrev" delay="0">
+                  <p:tgtEl>
+                    <p:sldTgt/>
+                  </p:tgtEl>
+                </p:cond>
+              </p:prevCondLst>
+              <p:nextCondLst>
+                <p:cond evt="onNext" delay="0">
+                  <p:tgtEl>
+                    <p:sldTgt/>
+                  </p:tgtEl>
+                </p:cond>
+              </p:nextCondLst>
+            </p:seq>
+          </p:childTnLst>
+        </p:cTn>
+      </p:par>
+    </p:tnLst>
+  </p:timing>
 </p:sld>
 </file>
 
@@ -7886,6 +8375,270 @@
   <p:clrMapOvr>
     <a:masterClrMapping/>
   </p:clrMapOvr>
+  <p:timing>
+    <p:tnLst>
+      <p:par>
+        <p:cTn id="1" dur="indefinite" restart="never" nodeType="tmRoot">
+          <p:childTnLst>
+            <p:seq concurrent="1" nextAc="seek">
+              <p:cTn id="2" dur="indefinite" nodeType="mainSeq">
+                <p:childTnLst>
+                  <p:par>
+                    <p:cTn id="3" fill="hold">
+                      <p:stCondLst>
+                        <p:cond delay="indefinite"/>
+                      </p:stCondLst>
+                      <p:childTnLst>
+                        <p:par>
+                          <p:cTn id="4" fill="hold">
+                            <p:stCondLst>
+                              <p:cond delay="0"/>
+                            </p:stCondLst>
+                            <p:childTnLst>
+                              <p:par>
+                                <p:cTn id="5" presetID="1" presetClass="entr" presetSubtype="0" fill="hold" nodeType="clickEffect">
+                                  <p:stCondLst>
+                                    <p:cond delay="0"/>
+                                  </p:stCondLst>
+                                  <p:childTnLst>
+                                    <p:set>
+                                      <p:cBhvr>
+                                        <p:cTn id="6" dur="1" fill="hold">
+                                          <p:stCondLst>
+                                            <p:cond delay="0"/>
+                                          </p:stCondLst>
+                                        </p:cTn>
+                                        <p:tgtEl>
+                                          <p:spTgt spid="3">
+                                            <p:txEl>
+                                              <p:pRg st="2" end="2"/>
+                                            </p:txEl>
+                                          </p:spTgt>
+                                        </p:tgtEl>
+                                        <p:attrNameLst>
+                                          <p:attrName>style.visibility</p:attrName>
+                                        </p:attrNameLst>
+                                      </p:cBhvr>
+                                      <p:to>
+                                        <p:strVal val="visible"/>
+                                      </p:to>
+                                    </p:set>
+                                  </p:childTnLst>
+                                </p:cTn>
+                              </p:par>
+                            </p:childTnLst>
+                          </p:cTn>
+                        </p:par>
+                      </p:childTnLst>
+                    </p:cTn>
+                  </p:par>
+                  <p:par>
+                    <p:cTn id="7" fill="hold">
+                      <p:stCondLst>
+                        <p:cond delay="indefinite"/>
+                      </p:stCondLst>
+                      <p:childTnLst>
+                        <p:par>
+                          <p:cTn id="8" fill="hold">
+                            <p:stCondLst>
+                              <p:cond delay="0"/>
+                            </p:stCondLst>
+                            <p:childTnLst>
+                              <p:par>
+                                <p:cTn id="9" presetID="1" presetClass="entr" presetSubtype="0" fill="hold" grpId="0" nodeType="clickEffect">
+                                  <p:stCondLst>
+                                    <p:cond delay="0"/>
+                                  </p:stCondLst>
+                                  <p:childTnLst>
+                                    <p:set>
+                                      <p:cBhvr>
+                                        <p:cTn id="10" dur="1" fill="hold">
+                                          <p:stCondLst>
+                                            <p:cond delay="0"/>
+                                          </p:stCondLst>
+                                        </p:cTn>
+                                        <p:tgtEl>
+                                          <p:spTgt spid="16"/>
+                                        </p:tgtEl>
+                                        <p:attrNameLst>
+                                          <p:attrName>style.visibility</p:attrName>
+                                        </p:attrNameLst>
+                                      </p:cBhvr>
+                                      <p:to>
+                                        <p:strVal val="visible"/>
+                                      </p:to>
+                                    </p:set>
+                                  </p:childTnLst>
+                                </p:cTn>
+                              </p:par>
+                              <p:par>
+                                <p:cTn id="11" presetID="1" presetClass="entr" presetSubtype="0" fill="hold" nodeType="withEffect">
+                                  <p:stCondLst>
+                                    <p:cond delay="0"/>
+                                  </p:stCondLst>
+                                  <p:childTnLst>
+                                    <p:set>
+                                      <p:cBhvr>
+                                        <p:cTn id="12" dur="1" fill="hold">
+                                          <p:stCondLst>
+                                            <p:cond delay="0"/>
+                                          </p:stCondLst>
+                                        </p:cTn>
+                                        <p:tgtEl>
+                                          <p:spTgt spid="12"/>
+                                        </p:tgtEl>
+                                        <p:attrNameLst>
+                                          <p:attrName>style.visibility</p:attrName>
+                                        </p:attrNameLst>
+                                      </p:cBhvr>
+                                      <p:to>
+                                        <p:strVal val="visible"/>
+                                      </p:to>
+                                    </p:set>
+                                  </p:childTnLst>
+                                </p:cTn>
+                              </p:par>
+                              <p:par>
+                                <p:cTn id="13" presetID="1" presetClass="entr" presetSubtype="0" fill="hold" grpId="0" nodeType="withEffect">
+                                  <p:stCondLst>
+                                    <p:cond delay="0"/>
+                                  </p:stCondLst>
+                                  <p:childTnLst>
+                                    <p:set>
+                                      <p:cBhvr>
+                                        <p:cTn id="14" dur="1" fill="hold">
+                                          <p:stCondLst>
+                                            <p:cond delay="0"/>
+                                          </p:stCondLst>
+                                        </p:cTn>
+                                        <p:tgtEl>
+                                          <p:spTgt spid="15"/>
+                                        </p:tgtEl>
+                                        <p:attrNameLst>
+                                          <p:attrName>style.visibility</p:attrName>
+                                        </p:attrNameLst>
+                                      </p:cBhvr>
+                                      <p:to>
+                                        <p:strVal val="visible"/>
+                                      </p:to>
+                                    </p:set>
+                                  </p:childTnLst>
+                                </p:cTn>
+                              </p:par>
+                              <p:par>
+                                <p:cTn id="15" presetID="1" presetClass="entr" presetSubtype="0" fill="hold" nodeType="withEffect">
+                                  <p:stCondLst>
+                                    <p:cond delay="0"/>
+                                  </p:stCondLst>
+                                  <p:childTnLst>
+                                    <p:set>
+                                      <p:cBhvr>
+                                        <p:cTn id="16" dur="1" fill="hold">
+                                          <p:stCondLst>
+                                            <p:cond delay="0"/>
+                                          </p:stCondLst>
+                                        </p:cTn>
+                                        <p:tgtEl>
+                                          <p:spTgt spid="8"/>
+                                        </p:tgtEl>
+                                        <p:attrNameLst>
+                                          <p:attrName>style.visibility</p:attrName>
+                                        </p:attrNameLst>
+                                      </p:cBhvr>
+                                      <p:to>
+                                        <p:strVal val="visible"/>
+                                      </p:to>
+                                    </p:set>
+                                  </p:childTnLst>
+                                </p:cTn>
+                              </p:par>
+                              <p:par>
+                                <p:cTn id="17" presetID="1" presetClass="entr" presetSubtype="0" fill="hold" nodeType="withEffect">
+                                  <p:stCondLst>
+                                    <p:cond delay="0"/>
+                                  </p:stCondLst>
+                                  <p:childTnLst>
+                                    <p:set>
+                                      <p:cBhvr>
+                                        <p:cTn id="18" dur="1" fill="hold">
+                                          <p:stCondLst>
+                                            <p:cond delay="0"/>
+                                          </p:stCondLst>
+                                        </p:cTn>
+                                        <p:tgtEl>
+                                          <p:spTgt spid="10"/>
+                                        </p:tgtEl>
+                                        <p:attrNameLst>
+                                          <p:attrName>style.visibility</p:attrName>
+                                        </p:attrNameLst>
+                                      </p:cBhvr>
+                                      <p:to>
+                                        <p:strVal val="visible"/>
+                                      </p:to>
+                                    </p:set>
+                                  </p:childTnLst>
+                                </p:cTn>
+                              </p:par>
+                              <p:par>
+                                <p:cTn id="19" presetID="1" presetClass="entr" presetSubtype="0" fill="hold" grpId="0" nodeType="withEffect">
+                                  <p:stCondLst>
+                                    <p:cond delay="0"/>
+                                  </p:stCondLst>
+                                  <p:childTnLst>
+                                    <p:set>
+                                      <p:cBhvr>
+                                        <p:cTn id="20" dur="1" fill="hold">
+                                          <p:stCondLst>
+                                            <p:cond delay="0"/>
+                                          </p:stCondLst>
+                                        </p:cTn>
+                                        <p:tgtEl>
+                                          <p:spTgt spid="18"/>
+                                        </p:tgtEl>
+                                        <p:attrNameLst>
+                                          <p:attrName>style.visibility</p:attrName>
+                                        </p:attrNameLst>
+                                      </p:cBhvr>
+                                      <p:to>
+                                        <p:strVal val="visible"/>
+                                      </p:to>
+                                    </p:set>
+                                  </p:childTnLst>
+                                </p:cTn>
+                              </p:par>
+                            </p:childTnLst>
+                          </p:cTn>
+                        </p:par>
+                      </p:childTnLst>
+                    </p:cTn>
+                  </p:par>
+                </p:childTnLst>
+              </p:cTn>
+              <p:prevCondLst>
+                <p:cond evt="onPrev" delay="0">
+                  <p:tgtEl>
+                    <p:sldTgt/>
+                  </p:tgtEl>
+                </p:cond>
+              </p:prevCondLst>
+              <p:nextCondLst>
+                <p:cond evt="onNext" delay="0">
+                  <p:tgtEl>
+                    <p:sldTgt/>
+                  </p:tgtEl>
+                </p:cond>
+              </p:nextCondLst>
+            </p:seq>
+          </p:childTnLst>
+        </p:cTn>
+      </p:par>
+    </p:tnLst>
+    <p:bldLst>
+      <p:bldP spid="15" grpId="0"/>
+      <p:bldP spid="16" grpId="0"/>
+      <p:bldP spid="18" grpId="0"/>
+    </p:bldLst>
+  </p:timing>
 </p:sld>
 </file>
 
@@ -9265,6 +10018,532 @@
   <p:clrMapOvr>
     <a:masterClrMapping/>
   </p:clrMapOvr>
+  <p:timing>
+    <p:tnLst>
+      <p:par>
+        <p:cTn id="1" dur="indefinite" restart="never" nodeType="tmRoot">
+          <p:childTnLst>
+            <p:seq concurrent="1" nextAc="seek">
+              <p:cTn id="2" dur="indefinite" nodeType="mainSeq">
+                <p:childTnLst>
+                  <p:par>
+                    <p:cTn id="3" fill="hold">
+                      <p:stCondLst>
+                        <p:cond delay="indefinite"/>
+                      </p:stCondLst>
+                      <p:childTnLst>
+                        <p:par>
+                          <p:cTn id="4" fill="hold">
+                            <p:stCondLst>
+                              <p:cond delay="0"/>
+                            </p:stCondLst>
+                            <p:childTnLst>
+                              <p:par>
+                                <p:cTn id="5" presetID="1" presetClass="entr" presetSubtype="0" fill="hold" grpId="0" nodeType="clickEffect">
+                                  <p:stCondLst>
+                                    <p:cond delay="0"/>
+                                  </p:stCondLst>
+                                  <p:childTnLst>
+                                    <p:set>
+                                      <p:cBhvr>
+                                        <p:cTn id="6" dur="1" fill="hold">
+                                          <p:stCondLst>
+                                            <p:cond delay="0"/>
+                                          </p:stCondLst>
+                                        </p:cTn>
+                                        <p:tgtEl>
+                                          <p:spTgt spid="17"/>
+                                        </p:tgtEl>
+                                        <p:attrNameLst>
+                                          <p:attrName>style.visibility</p:attrName>
+                                        </p:attrNameLst>
+                                      </p:cBhvr>
+                                      <p:to>
+                                        <p:strVal val="visible"/>
+                                      </p:to>
+                                    </p:set>
+                                  </p:childTnLst>
+                                </p:cTn>
+                              </p:par>
+                              <p:par>
+                                <p:cTn id="7" presetID="1" presetClass="entr" presetSubtype="0" fill="hold" nodeType="withEffect">
+                                  <p:stCondLst>
+                                    <p:cond delay="0"/>
+                                  </p:stCondLst>
+                                  <p:childTnLst>
+                                    <p:set>
+                                      <p:cBhvr>
+                                        <p:cTn id="8" dur="1" fill="hold">
+                                          <p:stCondLst>
+                                            <p:cond delay="0"/>
+                                          </p:stCondLst>
+                                        </p:cTn>
+                                        <p:tgtEl>
+                                          <p:spTgt spid="39"/>
+                                        </p:tgtEl>
+                                        <p:attrNameLst>
+                                          <p:attrName>style.visibility</p:attrName>
+                                        </p:attrNameLst>
+                                      </p:cBhvr>
+                                      <p:to>
+                                        <p:strVal val="visible"/>
+                                      </p:to>
+                                    </p:set>
+                                  </p:childTnLst>
+                                </p:cTn>
+                              </p:par>
+                              <p:par>
+                                <p:cTn id="9" presetID="1" presetClass="entr" presetSubtype="0" fill="hold" nodeType="withEffect">
+                                  <p:stCondLst>
+                                    <p:cond delay="0"/>
+                                  </p:stCondLst>
+                                  <p:childTnLst>
+                                    <p:set>
+                                      <p:cBhvr>
+                                        <p:cTn id="10" dur="1" fill="hold">
+                                          <p:stCondLst>
+                                            <p:cond delay="0"/>
+                                          </p:stCondLst>
+                                        </p:cTn>
+                                        <p:tgtEl>
+                                          <p:spTgt spid="20"/>
+                                        </p:tgtEl>
+                                        <p:attrNameLst>
+                                          <p:attrName>style.visibility</p:attrName>
+                                        </p:attrNameLst>
+                                      </p:cBhvr>
+                                      <p:to>
+                                        <p:strVal val="visible"/>
+                                      </p:to>
+                                    </p:set>
+                                  </p:childTnLst>
+                                </p:cTn>
+                              </p:par>
+                              <p:par>
+                                <p:cTn id="11" presetID="1" presetClass="entr" presetSubtype="0" fill="hold" grpId="0" nodeType="withEffect">
+                                  <p:stCondLst>
+                                    <p:cond delay="0"/>
+                                  </p:stCondLst>
+                                  <p:childTnLst>
+                                    <p:set>
+                                      <p:cBhvr>
+                                        <p:cTn id="12" dur="1" fill="hold">
+                                          <p:stCondLst>
+                                            <p:cond delay="0"/>
+                                          </p:stCondLst>
+                                        </p:cTn>
+                                        <p:tgtEl>
+                                          <p:spTgt spid="19"/>
+                                        </p:tgtEl>
+                                        <p:attrNameLst>
+                                          <p:attrName>style.visibility</p:attrName>
+                                        </p:attrNameLst>
+                                      </p:cBhvr>
+                                      <p:to>
+                                        <p:strVal val="visible"/>
+                                      </p:to>
+                                    </p:set>
+                                  </p:childTnLst>
+                                </p:cTn>
+                              </p:par>
+                              <p:par>
+                                <p:cTn id="13" presetID="1" presetClass="entr" presetSubtype="0" fill="hold" nodeType="withEffect">
+                                  <p:stCondLst>
+                                    <p:cond delay="0"/>
+                                  </p:stCondLst>
+                                  <p:childTnLst>
+                                    <p:set>
+                                      <p:cBhvr>
+                                        <p:cTn id="14" dur="1" fill="hold">
+                                          <p:stCondLst>
+                                            <p:cond delay="0"/>
+                                          </p:stCondLst>
+                                        </p:cTn>
+                                        <p:tgtEl>
+                                          <p:spTgt spid="11"/>
+                                        </p:tgtEl>
+                                        <p:attrNameLst>
+                                          <p:attrName>style.visibility</p:attrName>
+                                        </p:attrNameLst>
+                                      </p:cBhvr>
+                                      <p:to>
+                                        <p:strVal val="visible"/>
+                                      </p:to>
+                                    </p:set>
+                                  </p:childTnLst>
+                                </p:cTn>
+                              </p:par>
+                              <p:par>
+                                <p:cTn id="15" presetID="1" presetClass="entr" presetSubtype="0" fill="hold" nodeType="withEffect">
+                                  <p:stCondLst>
+                                    <p:cond delay="0"/>
+                                  </p:stCondLst>
+                                  <p:childTnLst>
+                                    <p:set>
+                                      <p:cBhvr>
+                                        <p:cTn id="16" dur="1" fill="hold">
+                                          <p:stCondLst>
+                                            <p:cond delay="0"/>
+                                          </p:stCondLst>
+                                        </p:cTn>
+                                        <p:tgtEl>
+                                          <p:spTgt spid="13"/>
+                                        </p:tgtEl>
+                                        <p:attrNameLst>
+                                          <p:attrName>style.visibility</p:attrName>
+                                        </p:attrNameLst>
+                                      </p:cBhvr>
+                                      <p:to>
+                                        <p:strVal val="visible"/>
+                                      </p:to>
+                                    </p:set>
+                                  </p:childTnLst>
+                                </p:cTn>
+                              </p:par>
+                              <p:par>
+                                <p:cTn id="17" presetID="1" presetClass="entr" presetSubtype="0" fill="hold" grpId="0" nodeType="withEffect">
+                                  <p:stCondLst>
+                                    <p:cond delay="0"/>
+                                  </p:stCondLst>
+                                  <p:childTnLst>
+                                    <p:set>
+                                      <p:cBhvr>
+                                        <p:cTn id="18" dur="1" fill="hold">
+                                          <p:stCondLst>
+                                            <p:cond delay="0"/>
+                                          </p:stCondLst>
+                                        </p:cTn>
+                                        <p:tgtEl>
+                                          <p:spTgt spid="14"/>
+                                        </p:tgtEl>
+                                        <p:attrNameLst>
+                                          <p:attrName>style.visibility</p:attrName>
+                                        </p:attrNameLst>
+                                      </p:cBhvr>
+                                      <p:to>
+                                        <p:strVal val="visible"/>
+                                      </p:to>
+                                    </p:set>
+                                  </p:childTnLst>
+                                </p:cTn>
+                              </p:par>
+                              <p:par>
+                                <p:cTn id="19" presetID="1" presetClass="entr" presetSubtype="0" fill="hold" grpId="0" nodeType="withEffect">
+                                  <p:stCondLst>
+                                    <p:cond delay="0"/>
+                                  </p:stCondLst>
+                                  <p:childTnLst>
+                                    <p:set>
+                                      <p:cBhvr>
+                                        <p:cTn id="20" dur="1" fill="hold">
+                                          <p:stCondLst>
+                                            <p:cond delay="0"/>
+                                          </p:stCondLst>
+                                        </p:cTn>
+                                        <p:tgtEl>
+                                          <p:spTgt spid="7"/>
+                                        </p:tgtEl>
+                                        <p:attrNameLst>
+                                          <p:attrName>style.visibility</p:attrName>
+                                        </p:attrNameLst>
+                                      </p:cBhvr>
+                                      <p:to>
+                                        <p:strVal val="visible"/>
+                                      </p:to>
+                                    </p:set>
+                                  </p:childTnLst>
+                                </p:cTn>
+                              </p:par>
+                              <p:par>
+                                <p:cTn id="21" presetID="1" presetClass="entr" presetSubtype="0" fill="hold" grpId="0" nodeType="withEffect">
+                                  <p:stCondLst>
+                                    <p:cond delay="0"/>
+                                  </p:stCondLst>
+                                  <p:childTnLst>
+                                    <p:set>
+                                      <p:cBhvr>
+                                        <p:cTn id="22" dur="1" fill="hold">
+                                          <p:stCondLst>
+                                            <p:cond delay="0"/>
+                                          </p:stCondLst>
+                                        </p:cTn>
+                                        <p:tgtEl>
+                                          <p:spTgt spid="9"/>
+                                        </p:tgtEl>
+                                        <p:attrNameLst>
+                                          <p:attrName>style.visibility</p:attrName>
+                                        </p:attrNameLst>
+                                      </p:cBhvr>
+                                      <p:to>
+                                        <p:strVal val="visible"/>
+                                      </p:to>
+                                    </p:set>
+                                  </p:childTnLst>
+                                </p:cTn>
+                              </p:par>
+                              <p:par>
+                                <p:cTn id="23" presetID="1" presetClass="entr" presetSubtype="0" fill="hold" nodeType="withEffect">
+                                  <p:stCondLst>
+                                    <p:cond delay="0"/>
+                                  </p:stCondLst>
+                                  <p:childTnLst>
+                                    <p:set>
+                                      <p:cBhvr>
+                                        <p:cTn id="24" dur="1" fill="hold">
+                                          <p:stCondLst>
+                                            <p:cond delay="0"/>
+                                          </p:stCondLst>
+                                        </p:cTn>
+                                        <p:tgtEl>
+                                          <p:spTgt spid="6"/>
+                                        </p:tgtEl>
+                                        <p:attrNameLst>
+                                          <p:attrName>style.visibility</p:attrName>
+                                        </p:attrNameLst>
+                                      </p:cBhvr>
+                                      <p:to>
+                                        <p:strVal val="visible"/>
+                                      </p:to>
+                                    </p:set>
+                                  </p:childTnLst>
+                                </p:cTn>
+                              </p:par>
+                            </p:childTnLst>
+                          </p:cTn>
+                        </p:par>
+                      </p:childTnLst>
+                    </p:cTn>
+                  </p:par>
+                  <p:par>
+                    <p:cTn id="25" fill="hold">
+                      <p:stCondLst>
+                        <p:cond delay="indefinite"/>
+                      </p:stCondLst>
+                      <p:childTnLst>
+                        <p:par>
+                          <p:cTn id="26" fill="hold">
+                            <p:stCondLst>
+                              <p:cond delay="0"/>
+                            </p:stCondLst>
+                            <p:childTnLst>
+                              <p:par>
+                                <p:cTn id="27" presetID="1" presetClass="entr" presetSubtype="0" fill="hold" nodeType="clickEffect">
+                                  <p:stCondLst>
+                                    <p:cond delay="0"/>
+                                  </p:stCondLst>
+                                  <p:childTnLst>
+                                    <p:set>
+                                      <p:cBhvr>
+                                        <p:cTn id="28" dur="1" fill="hold">
+                                          <p:stCondLst>
+                                            <p:cond delay="0"/>
+                                          </p:stCondLst>
+                                        </p:cTn>
+                                        <p:tgtEl>
+                                          <p:spTgt spid="35"/>
+                                        </p:tgtEl>
+                                        <p:attrNameLst>
+                                          <p:attrName>style.visibility</p:attrName>
+                                        </p:attrNameLst>
+                                      </p:cBhvr>
+                                      <p:to>
+                                        <p:strVal val="visible"/>
+                                      </p:to>
+                                    </p:set>
+                                  </p:childTnLst>
+                                </p:cTn>
+                              </p:par>
+                              <p:par>
+                                <p:cTn id="29" presetID="1" presetClass="entr" presetSubtype="0" fill="hold" grpId="0" nodeType="withEffect">
+                                  <p:stCondLst>
+                                    <p:cond delay="0"/>
+                                  </p:stCondLst>
+                                  <p:childTnLst>
+                                    <p:set>
+                                      <p:cBhvr>
+                                        <p:cTn id="30" dur="1" fill="hold">
+                                          <p:stCondLst>
+                                            <p:cond delay="0"/>
+                                          </p:stCondLst>
+                                        </p:cTn>
+                                        <p:tgtEl>
+                                          <p:spTgt spid="34"/>
+                                        </p:tgtEl>
+                                        <p:attrNameLst>
+                                          <p:attrName>style.visibility</p:attrName>
+                                        </p:attrNameLst>
+                                      </p:cBhvr>
+                                      <p:to>
+                                        <p:strVal val="visible"/>
+                                      </p:to>
+                                    </p:set>
+                                  </p:childTnLst>
+                                </p:cTn>
+                              </p:par>
+                              <p:par>
+                                <p:cTn id="31" presetID="1" presetClass="entr" presetSubtype="0" fill="hold" grpId="0" nodeType="withEffect">
+                                  <p:stCondLst>
+                                    <p:cond delay="0"/>
+                                  </p:stCondLst>
+                                  <p:childTnLst>
+                                    <p:set>
+                                      <p:cBhvr>
+                                        <p:cTn id="32" dur="1" fill="hold">
+                                          <p:stCondLst>
+                                            <p:cond delay="0"/>
+                                          </p:stCondLst>
+                                        </p:cTn>
+                                        <p:tgtEl>
+                                          <p:spTgt spid="30"/>
+                                        </p:tgtEl>
+                                        <p:attrNameLst>
+                                          <p:attrName>style.visibility</p:attrName>
+                                        </p:attrNameLst>
+                                      </p:cBhvr>
+                                      <p:to>
+                                        <p:strVal val="visible"/>
+                                      </p:to>
+                                    </p:set>
+                                  </p:childTnLst>
+                                </p:cTn>
+                              </p:par>
+                              <p:par>
+                                <p:cTn id="33" presetID="1" presetClass="entr" presetSubtype="0" fill="hold" nodeType="withEffect">
+                                  <p:stCondLst>
+                                    <p:cond delay="0"/>
+                                  </p:stCondLst>
+                                  <p:childTnLst>
+                                    <p:set>
+                                      <p:cBhvr>
+                                        <p:cTn id="34" dur="1" fill="hold">
+                                          <p:stCondLst>
+                                            <p:cond delay="0"/>
+                                          </p:stCondLst>
+                                        </p:cTn>
+                                        <p:tgtEl>
+                                          <p:spTgt spid="28"/>
+                                        </p:tgtEl>
+                                        <p:attrNameLst>
+                                          <p:attrName>style.visibility</p:attrName>
+                                        </p:attrNameLst>
+                                      </p:cBhvr>
+                                      <p:to>
+                                        <p:strVal val="visible"/>
+                                      </p:to>
+                                    </p:set>
+                                  </p:childTnLst>
+                                </p:cTn>
+                              </p:par>
+                              <p:par>
+                                <p:cTn id="35" presetID="1" presetClass="entr" presetSubtype="0" fill="hold" grpId="0" nodeType="withEffect">
+                                  <p:stCondLst>
+                                    <p:cond delay="0"/>
+                                  </p:stCondLst>
+                                  <p:childTnLst>
+                                    <p:set>
+                                      <p:cBhvr>
+                                        <p:cTn id="36" dur="1" fill="hold">
+                                          <p:stCondLst>
+                                            <p:cond delay="0"/>
+                                          </p:stCondLst>
+                                        </p:cTn>
+                                        <p:tgtEl>
+                                          <p:spTgt spid="29"/>
+                                        </p:tgtEl>
+                                        <p:attrNameLst>
+                                          <p:attrName>style.visibility</p:attrName>
+                                        </p:attrNameLst>
+                                      </p:cBhvr>
+                                      <p:to>
+                                        <p:strVal val="visible"/>
+                                      </p:to>
+                                    </p:set>
+                                  </p:childTnLst>
+                                </p:cTn>
+                              </p:par>
+                            </p:childTnLst>
+                          </p:cTn>
+                        </p:par>
+                      </p:childTnLst>
+                    </p:cTn>
+                  </p:par>
+                  <p:par>
+                    <p:cTn id="37" fill="hold">
+                      <p:stCondLst>
+                        <p:cond delay="indefinite"/>
+                      </p:stCondLst>
+                      <p:childTnLst>
+                        <p:par>
+                          <p:cTn id="38" fill="hold">
+                            <p:stCondLst>
+                              <p:cond delay="0"/>
+                            </p:stCondLst>
+                            <p:childTnLst>
+                              <p:par>
+                                <p:cTn id="39" presetID="1" presetClass="entr" presetSubtype="0" fill="hold" nodeType="clickEffect">
+                                  <p:stCondLst>
+                                    <p:cond delay="0"/>
+                                  </p:stCondLst>
+                                  <p:childTnLst>
+                                    <p:set>
+                                      <p:cBhvr>
+                                        <p:cTn id="40" dur="1" fill="hold">
+                                          <p:stCondLst>
+                                            <p:cond delay="0"/>
+                                          </p:stCondLst>
+                                        </p:cTn>
+                                        <p:tgtEl>
+                                          <p:spTgt spid="40"/>
+                                        </p:tgtEl>
+                                        <p:attrNameLst>
+                                          <p:attrName>style.visibility</p:attrName>
+                                        </p:attrNameLst>
+                                      </p:cBhvr>
+                                      <p:to>
+                                        <p:strVal val="visible"/>
+                                      </p:to>
+                                    </p:set>
+                                  </p:childTnLst>
+                                </p:cTn>
+                              </p:par>
+                            </p:childTnLst>
+                          </p:cTn>
+                        </p:par>
+                      </p:childTnLst>
+                    </p:cTn>
+                  </p:par>
+                </p:childTnLst>
+              </p:cTn>
+              <p:prevCondLst>
+                <p:cond evt="onPrev" delay="0">
+                  <p:tgtEl>
+                    <p:sldTgt/>
+                  </p:tgtEl>
+                </p:cond>
+              </p:prevCondLst>
+              <p:nextCondLst>
+                <p:cond evt="onNext" delay="0">
+                  <p:tgtEl>
+                    <p:sldTgt/>
+                  </p:tgtEl>
+                </p:cond>
+              </p:nextCondLst>
+            </p:seq>
+          </p:childTnLst>
+        </p:cTn>
+      </p:par>
+    </p:tnLst>
+    <p:bldLst>
+      <p:bldP spid="7" grpId="0"/>
+      <p:bldP spid="9" grpId="0"/>
+      <p:bldP spid="14" grpId="0"/>
+      <p:bldP spid="17" grpId="0"/>
+      <p:bldP spid="19" grpId="0"/>
+      <p:bldP spid="29" grpId="0"/>
+      <p:bldP spid="30" grpId="0"/>
+      <p:bldP spid="34" grpId="0"/>
+    </p:bldLst>
+  </p:timing>
 </p:sld>
 </file>
 
@@ -10954,6 +12233,980 @@
   <p:clrMapOvr>
     <a:masterClrMapping/>
   </p:clrMapOvr>
+  <p:timing>
+    <p:tnLst>
+      <p:par>
+        <p:cTn id="1" dur="indefinite" restart="never" nodeType="tmRoot">
+          <p:childTnLst>
+            <p:seq concurrent="1" nextAc="seek">
+              <p:cTn id="2" dur="indefinite" nodeType="mainSeq">
+                <p:childTnLst>
+                  <p:par>
+                    <p:cTn id="3" fill="hold">
+                      <p:stCondLst>
+                        <p:cond delay="indefinite"/>
+                      </p:stCondLst>
+                      <p:childTnLst>
+                        <p:par>
+                          <p:cTn id="4" fill="hold">
+                            <p:stCondLst>
+                              <p:cond delay="0"/>
+                            </p:stCondLst>
+                            <p:childTnLst>
+                              <p:par>
+                                <p:cTn id="5" presetID="1" presetClass="entr" presetSubtype="0" fill="hold" grpId="0" nodeType="clickEffect">
+                                  <p:stCondLst>
+                                    <p:cond delay="0"/>
+                                  </p:stCondLst>
+                                  <p:childTnLst>
+                                    <p:set>
+                                      <p:cBhvr>
+                                        <p:cTn id="6" dur="1" fill="hold">
+                                          <p:stCondLst>
+                                            <p:cond delay="0"/>
+                                          </p:stCondLst>
+                                        </p:cTn>
+                                        <p:tgtEl>
+                                          <p:spTgt spid="4"/>
+                                        </p:tgtEl>
+                                        <p:attrNameLst>
+                                          <p:attrName>style.visibility</p:attrName>
+                                        </p:attrNameLst>
+                                      </p:cBhvr>
+                                      <p:to>
+                                        <p:strVal val="visible"/>
+                                      </p:to>
+                                    </p:set>
+                                  </p:childTnLst>
+                                </p:cTn>
+                              </p:par>
+                              <p:par>
+                                <p:cTn id="7" presetID="1" presetClass="entr" presetSubtype="0" fill="hold" nodeType="withEffect">
+                                  <p:stCondLst>
+                                    <p:cond delay="0"/>
+                                  </p:stCondLst>
+                                  <p:childTnLst>
+                                    <p:set>
+                                      <p:cBhvr>
+                                        <p:cTn id="8" dur="1" fill="hold">
+                                          <p:stCondLst>
+                                            <p:cond delay="0"/>
+                                          </p:stCondLst>
+                                        </p:cTn>
+                                        <p:tgtEl>
+                                          <p:spTgt spid="3"/>
+                                        </p:tgtEl>
+                                        <p:attrNameLst>
+                                          <p:attrName>style.visibility</p:attrName>
+                                        </p:attrNameLst>
+                                      </p:cBhvr>
+                                      <p:to>
+                                        <p:strVal val="visible"/>
+                                      </p:to>
+                                    </p:set>
+                                  </p:childTnLst>
+                                </p:cTn>
+                              </p:par>
+                              <p:par>
+                                <p:cTn id="9" presetID="1" presetClass="entr" presetSubtype="0" fill="hold" grpId="0" nodeType="withEffect">
+                                  <p:stCondLst>
+                                    <p:cond delay="0"/>
+                                  </p:stCondLst>
+                                  <p:childTnLst>
+                                    <p:set>
+                                      <p:cBhvr>
+                                        <p:cTn id="10" dur="1" fill="hold">
+                                          <p:stCondLst>
+                                            <p:cond delay="0"/>
+                                          </p:stCondLst>
+                                        </p:cTn>
+                                        <p:tgtEl>
+                                          <p:spTgt spid="46"/>
+                                        </p:tgtEl>
+                                        <p:attrNameLst>
+                                          <p:attrName>style.visibility</p:attrName>
+                                        </p:attrNameLst>
+                                      </p:cBhvr>
+                                      <p:to>
+                                        <p:strVal val="visible"/>
+                                      </p:to>
+                                    </p:set>
+                                  </p:childTnLst>
+                                </p:cTn>
+                              </p:par>
+                              <p:par>
+                                <p:cTn id="11" presetID="1" presetClass="entr" presetSubtype="0" fill="hold" grpId="0" nodeType="withEffect">
+                                  <p:stCondLst>
+                                    <p:cond delay="0"/>
+                                  </p:stCondLst>
+                                  <p:childTnLst>
+                                    <p:set>
+                                      <p:cBhvr>
+                                        <p:cTn id="12" dur="1" fill="hold">
+                                          <p:stCondLst>
+                                            <p:cond delay="0"/>
+                                          </p:stCondLst>
+                                        </p:cTn>
+                                        <p:tgtEl>
+                                          <p:spTgt spid="45"/>
+                                        </p:tgtEl>
+                                        <p:attrNameLst>
+                                          <p:attrName>style.visibility</p:attrName>
+                                        </p:attrNameLst>
+                                      </p:cBhvr>
+                                      <p:to>
+                                        <p:strVal val="visible"/>
+                                      </p:to>
+                                    </p:set>
+                                  </p:childTnLst>
+                                </p:cTn>
+                              </p:par>
+                            </p:childTnLst>
+                          </p:cTn>
+                        </p:par>
+                      </p:childTnLst>
+                    </p:cTn>
+                  </p:par>
+                  <p:par>
+                    <p:cTn id="13" fill="hold">
+                      <p:stCondLst>
+                        <p:cond delay="indefinite"/>
+                      </p:stCondLst>
+                      <p:childTnLst>
+                        <p:par>
+                          <p:cTn id="14" fill="hold">
+                            <p:stCondLst>
+                              <p:cond delay="0"/>
+                            </p:stCondLst>
+                            <p:childTnLst>
+                              <p:par>
+                                <p:cTn id="15" presetID="1" presetClass="entr" presetSubtype="0" fill="hold" nodeType="clickEffect">
+                                  <p:stCondLst>
+                                    <p:cond delay="0"/>
+                                  </p:stCondLst>
+                                  <p:childTnLst>
+                                    <p:set>
+                                      <p:cBhvr>
+                                        <p:cTn id="16" dur="1" fill="hold">
+                                          <p:stCondLst>
+                                            <p:cond delay="0"/>
+                                          </p:stCondLst>
+                                        </p:cTn>
+                                        <p:tgtEl>
+                                          <p:spTgt spid="8"/>
+                                        </p:tgtEl>
+                                        <p:attrNameLst>
+                                          <p:attrName>style.visibility</p:attrName>
+                                        </p:attrNameLst>
+                                      </p:cBhvr>
+                                      <p:to>
+                                        <p:strVal val="visible"/>
+                                      </p:to>
+                                    </p:set>
+                                  </p:childTnLst>
+                                </p:cTn>
+                              </p:par>
+                              <p:par>
+                                <p:cTn id="17" presetID="1" presetClass="entr" presetSubtype="0" fill="hold" grpId="0" nodeType="withEffect">
+                                  <p:stCondLst>
+                                    <p:cond delay="0"/>
+                                  </p:stCondLst>
+                                  <p:childTnLst>
+                                    <p:set>
+                                      <p:cBhvr>
+                                        <p:cTn id="18" dur="1" fill="hold">
+                                          <p:stCondLst>
+                                            <p:cond delay="0"/>
+                                          </p:stCondLst>
+                                        </p:cTn>
+                                        <p:tgtEl>
+                                          <p:spTgt spid="31"/>
+                                        </p:tgtEl>
+                                        <p:attrNameLst>
+                                          <p:attrName>style.visibility</p:attrName>
+                                        </p:attrNameLst>
+                                      </p:cBhvr>
+                                      <p:to>
+                                        <p:strVal val="visible"/>
+                                      </p:to>
+                                    </p:set>
+                                  </p:childTnLst>
+                                </p:cTn>
+                              </p:par>
+                              <p:par>
+                                <p:cTn id="19" presetID="1" presetClass="entr" presetSubtype="0" fill="hold" nodeType="withEffect">
+                                  <p:stCondLst>
+                                    <p:cond delay="0"/>
+                                  </p:stCondLst>
+                                  <p:childTnLst>
+                                    <p:set>
+                                      <p:cBhvr>
+                                        <p:cTn id="20" dur="1" fill="hold">
+                                          <p:stCondLst>
+                                            <p:cond delay="0"/>
+                                          </p:stCondLst>
+                                        </p:cTn>
+                                        <p:tgtEl>
+                                          <p:spTgt spid="24"/>
+                                        </p:tgtEl>
+                                        <p:attrNameLst>
+                                          <p:attrName>style.visibility</p:attrName>
+                                        </p:attrNameLst>
+                                      </p:cBhvr>
+                                      <p:to>
+                                        <p:strVal val="visible"/>
+                                      </p:to>
+                                    </p:set>
+                                  </p:childTnLst>
+                                </p:cTn>
+                              </p:par>
+                              <p:par>
+                                <p:cTn id="21" presetID="1" presetClass="entr" presetSubtype="0" fill="hold" grpId="0" nodeType="withEffect">
+                                  <p:stCondLst>
+                                    <p:cond delay="0"/>
+                                  </p:stCondLst>
+                                  <p:childTnLst>
+                                    <p:set>
+                                      <p:cBhvr>
+                                        <p:cTn id="22" dur="1" fill="hold">
+                                          <p:stCondLst>
+                                            <p:cond delay="0"/>
+                                          </p:stCondLst>
+                                        </p:cTn>
+                                        <p:tgtEl>
+                                          <p:spTgt spid="32"/>
+                                        </p:tgtEl>
+                                        <p:attrNameLst>
+                                          <p:attrName>style.visibility</p:attrName>
+                                        </p:attrNameLst>
+                                      </p:cBhvr>
+                                      <p:to>
+                                        <p:strVal val="visible"/>
+                                      </p:to>
+                                    </p:set>
+                                  </p:childTnLst>
+                                </p:cTn>
+                              </p:par>
+                              <p:par>
+                                <p:cTn id="23" presetID="1" presetClass="entr" presetSubtype="0" fill="hold" grpId="0" nodeType="withEffect">
+                                  <p:stCondLst>
+                                    <p:cond delay="0"/>
+                                  </p:stCondLst>
+                                  <p:childTnLst>
+                                    <p:set>
+                                      <p:cBhvr>
+                                        <p:cTn id="24" dur="1" fill="hold">
+                                          <p:stCondLst>
+                                            <p:cond delay="0"/>
+                                          </p:stCondLst>
+                                        </p:cTn>
+                                        <p:tgtEl>
+                                          <p:spTgt spid="47"/>
+                                        </p:tgtEl>
+                                        <p:attrNameLst>
+                                          <p:attrName>style.visibility</p:attrName>
+                                        </p:attrNameLst>
+                                      </p:cBhvr>
+                                      <p:to>
+                                        <p:strVal val="visible"/>
+                                      </p:to>
+                                    </p:set>
+                                  </p:childTnLst>
+                                </p:cTn>
+                              </p:par>
+                            </p:childTnLst>
+                          </p:cTn>
+                        </p:par>
+                      </p:childTnLst>
+                    </p:cTn>
+                  </p:par>
+                  <p:par>
+                    <p:cTn id="25" fill="hold">
+                      <p:stCondLst>
+                        <p:cond delay="indefinite"/>
+                      </p:stCondLst>
+                      <p:childTnLst>
+                        <p:par>
+                          <p:cTn id="26" fill="hold">
+                            <p:stCondLst>
+                              <p:cond delay="0"/>
+                            </p:stCondLst>
+                            <p:childTnLst>
+                              <p:par>
+                                <p:cTn id="27" presetID="1" presetClass="entr" presetSubtype="0" fill="hold" nodeType="clickEffect">
+                                  <p:stCondLst>
+                                    <p:cond delay="0"/>
+                                  </p:stCondLst>
+                                  <p:childTnLst>
+                                    <p:set>
+                                      <p:cBhvr>
+                                        <p:cTn id="28" dur="1" fill="hold">
+                                          <p:stCondLst>
+                                            <p:cond delay="0"/>
+                                          </p:stCondLst>
+                                        </p:cTn>
+                                        <p:tgtEl>
+                                          <p:spTgt spid="12"/>
+                                        </p:tgtEl>
+                                        <p:attrNameLst>
+                                          <p:attrName>style.visibility</p:attrName>
+                                        </p:attrNameLst>
+                                      </p:cBhvr>
+                                      <p:to>
+                                        <p:strVal val="visible"/>
+                                      </p:to>
+                                    </p:set>
+                                  </p:childTnLst>
+                                </p:cTn>
+                              </p:par>
+                              <p:par>
+                                <p:cTn id="29" presetID="1" presetClass="entr" presetSubtype="0" fill="hold" nodeType="withEffect">
+                                  <p:stCondLst>
+                                    <p:cond delay="0"/>
+                                  </p:stCondLst>
+                                  <p:childTnLst>
+                                    <p:set>
+                                      <p:cBhvr>
+                                        <p:cTn id="30" dur="1" fill="hold">
+                                          <p:stCondLst>
+                                            <p:cond delay="0"/>
+                                          </p:stCondLst>
+                                        </p:cTn>
+                                        <p:tgtEl>
+                                          <p:spTgt spid="25"/>
+                                        </p:tgtEl>
+                                        <p:attrNameLst>
+                                          <p:attrName>style.visibility</p:attrName>
+                                        </p:attrNameLst>
+                                      </p:cBhvr>
+                                      <p:to>
+                                        <p:strVal val="visible"/>
+                                      </p:to>
+                                    </p:set>
+                                  </p:childTnLst>
+                                </p:cTn>
+                              </p:par>
+                              <p:par>
+                                <p:cTn id="31" presetID="1" presetClass="entr" presetSubtype="0" fill="hold" grpId="0" nodeType="withEffect">
+                                  <p:stCondLst>
+                                    <p:cond delay="0"/>
+                                  </p:stCondLst>
+                                  <p:childTnLst>
+                                    <p:set>
+                                      <p:cBhvr>
+                                        <p:cTn id="32" dur="1" fill="hold">
+                                          <p:stCondLst>
+                                            <p:cond delay="0"/>
+                                          </p:stCondLst>
+                                        </p:cTn>
+                                        <p:tgtEl>
+                                          <p:spTgt spid="33"/>
+                                        </p:tgtEl>
+                                        <p:attrNameLst>
+                                          <p:attrName>style.visibility</p:attrName>
+                                        </p:attrNameLst>
+                                      </p:cBhvr>
+                                      <p:to>
+                                        <p:strVal val="visible"/>
+                                      </p:to>
+                                    </p:set>
+                                  </p:childTnLst>
+                                </p:cTn>
+                              </p:par>
+                            </p:childTnLst>
+                          </p:cTn>
+                        </p:par>
+                      </p:childTnLst>
+                    </p:cTn>
+                  </p:par>
+                  <p:par>
+                    <p:cTn id="33" fill="hold">
+                      <p:stCondLst>
+                        <p:cond delay="indefinite"/>
+                      </p:stCondLst>
+                      <p:childTnLst>
+                        <p:par>
+                          <p:cTn id="34" fill="hold">
+                            <p:stCondLst>
+                              <p:cond delay="0"/>
+                            </p:stCondLst>
+                            <p:childTnLst>
+                              <p:par>
+                                <p:cTn id="35" presetID="1" presetClass="entr" presetSubtype="0" fill="hold" nodeType="clickEffect">
+                                  <p:stCondLst>
+                                    <p:cond delay="0"/>
+                                  </p:stCondLst>
+                                  <p:childTnLst>
+                                    <p:set>
+                                      <p:cBhvr>
+                                        <p:cTn id="36" dur="1" fill="hold">
+                                          <p:stCondLst>
+                                            <p:cond delay="0"/>
+                                          </p:stCondLst>
+                                        </p:cTn>
+                                        <p:tgtEl>
+                                          <p:spTgt spid="41"/>
+                                        </p:tgtEl>
+                                        <p:attrNameLst>
+                                          <p:attrName>style.visibility</p:attrName>
+                                        </p:attrNameLst>
+                                      </p:cBhvr>
+                                      <p:to>
+                                        <p:strVal val="visible"/>
+                                      </p:to>
+                                    </p:set>
+                                  </p:childTnLst>
+                                </p:cTn>
+                              </p:par>
+                              <p:par>
+                                <p:cTn id="37" presetID="1" presetClass="entr" presetSubtype="0" fill="hold" nodeType="withEffect">
+                                  <p:stCondLst>
+                                    <p:cond delay="0"/>
+                                  </p:stCondLst>
+                                  <p:childTnLst>
+                                    <p:set>
+                                      <p:cBhvr>
+                                        <p:cTn id="38" dur="1" fill="hold">
+                                          <p:stCondLst>
+                                            <p:cond delay="0"/>
+                                          </p:stCondLst>
+                                        </p:cTn>
+                                        <p:tgtEl>
+                                          <p:spTgt spid="26"/>
+                                        </p:tgtEl>
+                                        <p:attrNameLst>
+                                          <p:attrName>style.visibility</p:attrName>
+                                        </p:attrNameLst>
+                                      </p:cBhvr>
+                                      <p:to>
+                                        <p:strVal val="visible"/>
+                                      </p:to>
+                                    </p:set>
+                                  </p:childTnLst>
+                                </p:cTn>
+                              </p:par>
+                              <p:par>
+                                <p:cTn id="39" presetID="1" presetClass="entr" presetSubtype="0" fill="hold" grpId="0" nodeType="withEffect">
+                                  <p:stCondLst>
+                                    <p:cond delay="0"/>
+                                  </p:stCondLst>
+                                  <p:childTnLst>
+                                    <p:set>
+                                      <p:cBhvr>
+                                        <p:cTn id="40" dur="1" fill="hold">
+                                          <p:stCondLst>
+                                            <p:cond delay="0"/>
+                                          </p:stCondLst>
+                                        </p:cTn>
+                                        <p:tgtEl>
+                                          <p:spTgt spid="36"/>
+                                        </p:tgtEl>
+                                        <p:attrNameLst>
+                                          <p:attrName>style.visibility</p:attrName>
+                                        </p:attrNameLst>
+                                      </p:cBhvr>
+                                      <p:to>
+                                        <p:strVal val="visible"/>
+                                      </p:to>
+                                    </p:set>
+                                  </p:childTnLst>
+                                </p:cTn>
+                              </p:par>
+                            </p:childTnLst>
+                          </p:cTn>
+                        </p:par>
+                      </p:childTnLst>
+                    </p:cTn>
+                  </p:par>
+                  <p:par>
+                    <p:cTn id="41" fill="hold">
+                      <p:stCondLst>
+                        <p:cond delay="indefinite"/>
+                      </p:stCondLst>
+                      <p:childTnLst>
+                        <p:par>
+                          <p:cTn id="42" fill="hold">
+                            <p:stCondLst>
+                              <p:cond delay="0"/>
+                            </p:stCondLst>
+                            <p:childTnLst>
+                              <p:par>
+                                <p:cTn id="43" presetID="1" presetClass="entr" presetSubtype="0" fill="hold" nodeType="clickEffect">
+                                  <p:stCondLst>
+                                    <p:cond delay="0"/>
+                                  </p:stCondLst>
+                                  <p:childTnLst>
+                                    <p:set>
+                                      <p:cBhvr>
+                                        <p:cTn id="44" dur="1" fill="hold">
+                                          <p:stCondLst>
+                                            <p:cond delay="0"/>
+                                          </p:stCondLst>
+                                        </p:cTn>
+                                        <p:tgtEl>
+                                          <p:spTgt spid="49"/>
+                                        </p:tgtEl>
+                                        <p:attrNameLst>
+                                          <p:attrName>style.visibility</p:attrName>
+                                        </p:attrNameLst>
+                                      </p:cBhvr>
+                                      <p:to>
+                                        <p:strVal val="visible"/>
+                                      </p:to>
+                                    </p:set>
+                                  </p:childTnLst>
+                                </p:cTn>
+                              </p:par>
+                              <p:par>
+                                <p:cTn id="45" presetID="1" presetClass="entr" presetSubtype="0" fill="hold" grpId="0" nodeType="withEffect">
+                                  <p:stCondLst>
+                                    <p:cond delay="0"/>
+                                  </p:stCondLst>
+                                  <p:childTnLst>
+                                    <p:set>
+                                      <p:cBhvr>
+                                        <p:cTn id="46" dur="1" fill="hold">
+                                          <p:stCondLst>
+                                            <p:cond delay="0"/>
+                                          </p:stCondLst>
+                                        </p:cTn>
+                                        <p:tgtEl>
+                                          <p:spTgt spid="56"/>
+                                        </p:tgtEl>
+                                        <p:attrNameLst>
+                                          <p:attrName>style.visibility</p:attrName>
+                                        </p:attrNameLst>
+                                      </p:cBhvr>
+                                      <p:to>
+                                        <p:strVal val="visible"/>
+                                      </p:to>
+                                    </p:set>
+                                  </p:childTnLst>
+                                </p:cTn>
+                              </p:par>
+                              <p:par>
+                                <p:cTn id="47" presetID="1" presetClass="entr" presetSubtype="0" fill="hold" grpId="0" nodeType="withEffect">
+                                  <p:stCondLst>
+                                    <p:cond delay="0"/>
+                                  </p:stCondLst>
+                                  <p:childTnLst>
+                                    <p:set>
+                                      <p:cBhvr>
+                                        <p:cTn id="48" dur="1" fill="hold">
+                                          <p:stCondLst>
+                                            <p:cond delay="0"/>
+                                          </p:stCondLst>
+                                        </p:cTn>
+                                        <p:tgtEl>
+                                          <p:spTgt spid="57"/>
+                                        </p:tgtEl>
+                                        <p:attrNameLst>
+                                          <p:attrName>style.visibility</p:attrName>
+                                        </p:attrNameLst>
+                                      </p:cBhvr>
+                                      <p:to>
+                                        <p:strVal val="visible"/>
+                                      </p:to>
+                                    </p:set>
+                                  </p:childTnLst>
+                                </p:cTn>
+                              </p:par>
+                              <p:par>
+                                <p:cTn id="49" presetID="1" presetClass="entr" presetSubtype="0" fill="hold" nodeType="withEffect">
+                                  <p:stCondLst>
+                                    <p:cond delay="0"/>
+                                  </p:stCondLst>
+                                  <p:childTnLst>
+                                    <p:set>
+                                      <p:cBhvr>
+                                        <p:cTn id="50" dur="1" fill="hold">
+                                          <p:stCondLst>
+                                            <p:cond delay="0"/>
+                                          </p:stCondLst>
+                                        </p:cTn>
+                                        <p:tgtEl>
+                                          <p:spTgt spid="50"/>
+                                        </p:tgtEl>
+                                        <p:attrNameLst>
+                                          <p:attrName>style.visibility</p:attrName>
+                                        </p:attrNameLst>
+                                      </p:cBhvr>
+                                      <p:to>
+                                        <p:strVal val="visible"/>
+                                      </p:to>
+                                    </p:set>
+                                  </p:childTnLst>
+                                </p:cTn>
+                              </p:par>
+                              <p:par>
+                                <p:cTn id="51" presetID="1" presetClass="entr" presetSubtype="0" fill="hold" grpId="0" nodeType="withEffect">
+                                  <p:stCondLst>
+                                    <p:cond delay="0"/>
+                                  </p:stCondLst>
+                                  <p:childTnLst>
+                                    <p:set>
+                                      <p:cBhvr>
+                                        <p:cTn id="52" dur="1" fill="hold">
+                                          <p:stCondLst>
+                                            <p:cond delay="0"/>
+                                          </p:stCondLst>
+                                        </p:cTn>
+                                        <p:tgtEl>
+                                          <p:spTgt spid="59"/>
+                                        </p:tgtEl>
+                                        <p:attrNameLst>
+                                          <p:attrName>style.visibility</p:attrName>
+                                        </p:attrNameLst>
+                                      </p:cBhvr>
+                                      <p:to>
+                                        <p:strVal val="visible"/>
+                                      </p:to>
+                                    </p:set>
+                                  </p:childTnLst>
+                                </p:cTn>
+                              </p:par>
+                              <p:par>
+                                <p:cTn id="53" presetID="1" presetClass="entr" presetSubtype="0" fill="hold" nodeType="withEffect">
+                                  <p:stCondLst>
+                                    <p:cond delay="0"/>
+                                  </p:stCondLst>
+                                  <p:childTnLst>
+                                    <p:set>
+                                      <p:cBhvr>
+                                        <p:cTn id="54" dur="1" fill="hold">
+                                          <p:stCondLst>
+                                            <p:cond delay="0"/>
+                                          </p:stCondLst>
+                                        </p:cTn>
+                                        <p:tgtEl>
+                                          <p:spTgt spid="51"/>
+                                        </p:tgtEl>
+                                        <p:attrNameLst>
+                                          <p:attrName>style.visibility</p:attrName>
+                                        </p:attrNameLst>
+                                      </p:cBhvr>
+                                      <p:to>
+                                        <p:strVal val="visible"/>
+                                      </p:to>
+                                    </p:set>
+                                  </p:childTnLst>
+                                </p:cTn>
+                              </p:par>
+                              <p:par>
+                                <p:cTn id="55" presetID="1" presetClass="entr" presetSubtype="0" fill="hold" nodeType="withEffect">
+                                  <p:stCondLst>
+                                    <p:cond delay="0"/>
+                                  </p:stCondLst>
+                                  <p:childTnLst>
+                                    <p:set>
+                                      <p:cBhvr>
+                                        <p:cTn id="56" dur="1" fill="hold">
+                                          <p:stCondLst>
+                                            <p:cond delay="0"/>
+                                          </p:stCondLst>
+                                        </p:cTn>
+                                        <p:tgtEl>
+                                          <p:spTgt spid="54"/>
+                                        </p:tgtEl>
+                                        <p:attrNameLst>
+                                          <p:attrName>style.visibility</p:attrName>
+                                        </p:attrNameLst>
+                                      </p:cBhvr>
+                                      <p:to>
+                                        <p:strVal val="visible"/>
+                                      </p:to>
+                                    </p:set>
+                                  </p:childTnLst>
+                                </p:cTn>
+                              </p:par>
+                              <p:par>
+                                <p:cTn id="57" presetID="1" presetClass="entr" presetSubtype="0" fill="hold" nodeType="withEffect">
+                                  <p:stCondLst>
+                                    <p:cond delay="0"/>
+                                  </p:stCondLst>
+                                  <p:childTnLst>
+                                    <p:set>
+                                      <p:cBhvr>
+                                        <p:cTn id="58" dur="1" fill="hold">
+                                          <p:stCondLst>
+                                            <p:cond delay="0"/>
+                                          </p:stCondLst>
+                                        </p:cTn>
+                                        <p:tgtEl>
+                                          <p:spTgt spid="53"/>
+                                        </p:tgtEl>
+                                        <p:attrNameLst>
+                                          <p:attrName>style.visibility</p:attrName>
+                                        </p:attrNameLst>
+                                      </p:cBhvr>
+                                      <p:to>
+                                        <p:strVal val="visible"/>
+                                      </p:to>
+                                    </p:set>
+                                  </p:childTnLst>
+                                </p:cTn>
+                              </p:par>
+                              <p:par>
+                                <p:cTn id="59" presetID="1" presetClass="entr" presetSubtype="0" fill="hold" nodeType="withEffect">
+                                  <p:stCondLst>
+                                    <p:cond delay="0"/>
+                                  </p:stCondLst>
+                                  <p:childTnLst>
+                                    <p:set>
+                                      <p:cBhvr>
+                                        <p:cTn id="60" dur="1" fill="hold">
+                                          <p:stCondLst>
+                                            <p:cond delay="0"/>
+                                          </p:stCondLst>
+                                        </p:cTn>
+                                        <p:tgtEl>
+                                          <p:spTgt spid="52"/>
+                                        </p:tgtEl>
+                                        <p:attrNameLst>
+                                          <p:attrName>style.visibility</p:attrName>
+                                        </p:attrNameLst>
+                                      </p:cBhvr>
+                                      <p:to>
+                                        <p:strVal val="visible"/>
+                                      </p:to>
+                                    </p:set>
+                                  </p:childTnLst>
+                                </p:cTn>
+                              </p:par>
+                              <p:par>
+                                <p:cTn id="61" presetID="1" presetClass="entr" presetSubtype="0" fill="hold" grpId="0" nodeType="withEffect">
+                                  <p:stCondLst>
+                                    <p:cond delay="0"/>
+                                  </p:stCondLst>
+                                  <p:childTnLst>
+                                    <p:set>
+                                      <p:cBhvr>
+                                        <p:cTn id="62" dur="1" fill="hold">
+                                          <p:stCondLst>
+                                            <p:cond delay="0"/>
+                                          </p:stCondLst>
+                                        </p:cTn>
+                                        <p:tgtEl>
+                                          <p:spTgt spid="48"/>
+                                        </p:tgtEl>
+                                        <p:attrNameLst>
+                                          <p:attrName>style.visibility</p:attrName>
+                                        </p:attrNameLst>
+                                      </p:cBhvr>
+                                      <p:to>
+                                        <p:strVal val="visible"/>
+                                      </p:to>
+                                    </p:set>
+                                  </p:childTnLst>
+                                </p:cTn>
+                              </p:par>
+                            </p:childTnLst>
+                          </p:cTn>
+                        </p:par>
+                      </p:childTnLst>
+                    </p:cTn>
+                  </p:par>
+                  <p:par>
+                    <p:cTn id="63" fill="hold">
+                      <p:stCondLst>
+                        <p:cond delay="indefinite"/>
+                      </p:stCondLst>
+                      <p:childTnLst>
+                        <p:par>
+                          <p:cTn id="64" fill="hold">
+                            <p:stCondLst>
+                              <p:cond delay="0"/>
+                            </p:stCondLst>
+                            <p:childTnLst>
+                              <p:par>
+                                <p:cTn id="65" presetID="1" presetClass="entr" presetSubtype="0" fill="hold" nodeType="clickEffect">
+                                  <p:stCondLst>
+                                    <p:cond delay="0"/>
+                                  </p:stCondLst>
+                                  <p:childTnLst>
+                                    <p:set>
+                                      <p:cBhvr>
+                                        <p:cTn id="66" dur="1" fill="hold">
+                                          <p:stCondLst>
+                                            <p:cond delay="0"/>
+                                          </p:stCondLst>
+                                        </p:cTn>
+                                        <p:tgtEl>
+                                          <p:spTgt spid="61"/>
+                                        </p:tgtEl>
+                                        <p:attrNameLst>
+                                          <p:attrName>style.visibility</p:attrName>
+                                        </p:attrNameLst>
+                                      </p:cBhvr>
+                                      <p:to>
+                                        <p:strVal val="visible"/>
+                                      </p:to>
+                                    </p:set>
+                                  </p:childTnLst>
+                                </p:cTn>
+                              </p:par>
+                              <p:par>
+                                <p:cTn id="67" presetID="1" presetClass="entr" presetSubtype="0" fill="hold" grpId="0" nodeType="withEffect">
+                                  <p:stCondLst>
+                                    <p:cond delay="0"/>
+                                  </p:stCondLst>
+                                  <p:childTnLst>
+                                    <p:set>
+                                      <p:cBhvr>
+                                        <p:cTn id="68" dur="1" fill="hold">
+                                          <p:stCondLst>
+                                            <p:cond delay="0"/>
+                                          </p:stCondLst>
+                                        </p:cTn>
+                                        <p:tgtEl>
+                                          <p:spTgt spid="63"/>
+                                        </p:tgtEl>
+                                        <p:attrNameLst>
+                                          <p:attrName>style.visibility</p:attrName>
+                                        </p:attrNameLst>
+                                      </p:cBhvr>
+                                      <p:to>
+                                        <p:strVal val="visible"/>
+                                      </p:to>
+                                    </p:set>
+                                  </p:childTnLst>
+                                </p:cTn>
+                              </p:par>
+                            </p:childTnLst>
+                          </p:cTn>
+                        </p:par>
+                      </p:childTnLst>
+                    </p:cTn>
+                  </p:par>
+                  <p:par>
+                    <p:cTn id="69" fill="hold">
+                      <p:stCondLst>
+                        <p:cond delay="indefinite"/>
+                      </p:stCondLst>
+                      <p:childTnLst>
+                        <p:par>
+                          <p:cTn id="70" fill="hold">
+                            <p:stCondLst>
+                              <p:cond delay="0"/>
+                            </p:stCondLst>
+                            <p:childTnLst>
+                              <p:par>
+                                <p:cTn id="71" presetID="1" presetClass="entr" presetSubtype="0" fill="hold" grpId="0" nodeType="clickEffect">
+                                  <p:stCondLst>
+                                    <p:cond delay="0"/>
+                                  </p:stCondLst>
+                                  <p:childTnLst>
+                                    <p:set>
+                                      <p:cBhvr>
+                                        <p:cTn id="72" dur="1" fill="hold">
+                                          <p:stCondLst>
+                                            <p:cond delay="0"/>
+                                          </p:stCondLst>
+                                        </p:cTn>
+                                        <p:tgtEl>
+                                          <p:spTgt spid="64"/>
+                                        </p:tgtEl>
+                                        <p:attrNameLst>
+                                          <p:attrName>style.visibility</p:attrName>
+                                        </p:attrNameLst>
+                                      </p:cBhvr>
+                                      <p:to>
+                                        <p:strVal val="visible"/>
+                                      </p:to>
+                                    </p:set>
+                                  </p:childTnLst>
+                                </p:cTn>
+                              </p:par>
+                            </p:childTnLst>
+                          </p:cTn>
+                        </p:par>
+                      </p:childTnLst>
+                    </p:cTn>
+                  </p:par>
+                  <p:par>
+                    <p:cTn id="73" fill="hold">
+                      <p:stCondLst>
+                        <p:cond delay="indefinite"/>
+                      </p:stCondLst>
+                      <p:childTnLst>
+                        <p:par>
+                          <p:cTn id="74" fill="hold">
+                            <p:stCondLst>
+                              <p:cond delay="0"/>
+                            </p:stCondLst>
+                            <p:childTnLst>
+                              <p:par>
+                                <p:cTn id="75" presetID="1" presetClass="entr" presetSubtype="0" fill="hold" grpId="0" nodeType="clickEffect">
+                                  <p:stCondLst>
+                                    <p:cond delay="0"/>
+                                  </p:stCondLst>
+                                  <p:childTnLst>
+                                    <p:set>
+                                      <p:cBhvr>
+                                        <p:cTn id="76" dur="1" fill="hold">
+                                          <p:stCondLst>
+                                            <p:cond delay="0"/>
+                                          </p:stCondLst>
+                                        </p:cTn>
+                                        <p:tgtEl>
+                                          <p:spTgt spid="68"/>
+                                        </p:tgtEl>
+                                        <p:attrNameLst>
+                                          <p:attrName>style.visibility</p:attrName>
+                                        </p:attrNameLst>
+                                      </p:cBhvr>
+                                      <p:to>
+                                        <p:strVal val="visible"/>
+                                      </p:to>
+                                    </p:set>
+                                  </p:childTnLst>
+                                </p:cTn>
+                              </p:par>
+                            </p:childTnLst>
+                          </p:cTn>
+                        </p:par>
+                      </p:childTnLst>
+                    </p:cTn>
+                  </p:par>
+                </p:childTnLst>
+              </p:cTn>
+              <p:prevCondLst>
+                <p:cond evt="onPrev" delay="0">
+                  <p:tgtEl>
+                    <p:sldTgt/>
+                  </p:tgtEl>
+                </p:cond>
+              </p:prevCondLst>
+              <p:nextCondLst>
+                <p:cond evt="onNext" delay="0">
+                  <p:tgtEl>
+                    <p:sldTgt/>
+                  </p:tgtEl>
+                </p:cond>
+              </p:nextCondLst>
+            </p:seq>
+          </p:childTnLst>
+        </p:cTn>
+      </p:par>
+    </p:tnLst>
+    <p:bldLst>
+      <p:bldP spid="4" grpId="0"/>
+      <p:bldP spid="31" grpId="0"/>
+      <p:bldP spid="32" grpId="0"/>
+      <p:bldP spid="33" grpId="0"/>
+      <p:bldP spid="36" grpId="0"/>
+      <p:bldP spid="45" grpId="0"/>
+      <p:bldP spid="46" grpId="0"/>
+      <p:bldP spid="47" grpId="0"/>
+      <p:bldP spid="48" grpId="0"/>
+      <p:bldP spid="56" grpId="0"/>
+      <p:bldP spid="57" grpId="0"/>
+      <p:bldP spid="59" grpId="0"/>
+      <p:bldP spid="63" grpId="0"/>
+      <p:bldP spid="64" grpId="0"/>
+      <p:bldP spid="68" grpId="0"/>
+    </p:bldLst>
+  </p:timing>
 </p:sld>
 </file>
 
@@ -11241,6 +13494,228 @@
   <p:clrMapOvr>
     <a:masterClrMapping/>
   </p:clrMapOvr>
+  <p:timing>
+    <p:tnLst>
+      <p:par>
+        <p:cTn id="1" dur="indefinite" restart="never" nodeType="tmRoot">
+          <p:childTnLst>
+            <p:seq concurrent="1" nextAc="seek">
+              <p:cTn id="2" dur="indefinite" nodeType="mainSeq">
+                <p:childTnLst>
+                  <p:par>
+                    <p:cTn id="3" fill="hold">
+                      <p:stCondLst>
+                        <p:cond delay="indefinite"/>
+                      </p:stCondLst>
+                      <p:childTnLst>
+                        <p:par>
+                          <p:cTn id="4" fill="hold">
+                            <p:stCondLst>
+                              <p:cond delay="0"/>
+                            </p:stCondLst>
+                            <p:childTnLst>
+                              <p:par>
+                                <p:cTn id="5" presetID="1" presetClass="entr" presetSubtype="0" fill="hold" nodeType="clickEffect">
+                                  <p:stCondLst>
+                                    <p:cond delay="0"/>
+                                  </p:stCondLst>
+                                  <p:childTnLst>
+                                    <p:set>
+                                      <p:cBhvr>
+                                        <p:cTn id="6" dur="1" fill="hold">
+                                          <p:stCondLst>
+                                            <p:cond delay="0"/>
+                                          </p:stCondLst>
+                                        </p:cTn>
+                                        <p:tgtEl>
+                                          <p:spTgt spid="7170"/>
+                                        </p:tgtEl>
+                                        <p:attrNameLst>
+                                          <p:attrName>style.visibility</p:attrName>
+                                        </p:attrNameLst>
+                                      </p:cBhvr>
+                                      <p:to>
+                                        <p:strVal val="visible"/>
+                                      </p:to>
+                                    </p:set>
+                                  </p:childTnLst>
+                                </p:cTn>
+                              </p:par>
+                            </p:childTnLst>
+                          </p:cTn>
+                        </p:par>
+                      </p:childTnLst>
+                    </p:cTn>
+                  </p:par>
+                  <p:par>
+                    <p:cTn id="7" fill="hold">
+                      <p:stCondLst>
+                        <p:cond delay="indefinite"/>
+                      </p:stCondLst>
+                      <p:childTnLst>
+                        <p:par>
+                          <p:cTn id="8" fill="hold">
+                            <p:stCondLst>
+                              <p:cond delay="0"/>
+                            </p:stCondLst>
+                            <p:childTnLst>
+                              <p:par>
+                                <p:cTn id="9" presetID="1" presetClass="entr" presetSubtype="0" fill="hold" nodeType="clickEffect">
+                                  <p:stCondLst>
+                                    <p:cond delay="0"/>
+                                  </p:stCondLst>
+                                  <p:childTnLst>
+                                    <p:set>
+                                      <p:cBhvr>
+                                        <p:cTn id="10" dur="1" fill="hold">
+                                          <p:stCondLst>
+                                            <p:cond delay="0"/>
+                                          </p:stCondLst>
+                                        </p:cTn>
+                                        <p:tgtEl>
+                                          <p:spTgt spid="5">
+                                            <p:txEl>
+                                              <p:pRg st="2" end="2"/>
+                                            </p:txEl>
+                                          </p:spTgt>
+                                        </p:tgtEl>
+                                        <p:attrNameLst>
+                                          <p:attrName>style.visibility</p:attrName>
+                                        </p:attrNameLst>
+                                      </p:cBhvr>
+                                      <p:to>
+                                        <p:strVal val="visible"/>
+                                      </p:to>
+                                    </p:set>
+                                  </p:childTnLst>
+                                </p:cTn>
+                              </p:par>
+                            </p:childTnLst>
+                          </p:cTn>
+                        </p:par>
+                      </p:childTnLst>
+                    </p:cTn>
+                  </p:par>
+                  <p:par>
+                    <p:cTn id="11" fill="hold">
+                      <p:stCondLst>
+                        <p:cond delay="indefinite"/>
+                      </p:stCondLst>
+                      <p:childTnLst>
+                        <p:par>
+                          <p:cTn id="12" fill="hold">
+                            <p:stCondLst>
+                              <p:cond delay="0"/>
+                            </p:stCondLst>
+                            <p:childTnLst>
+                              <p:par>
+                                <p:cTn id="13" presetID="1" presetClass="entr" presetSubtype="0" fill="hold" nodeType="clickEffect">
+                                  <p:stCondLst>
+                                    <p:cond delay="0"/>
+                                  </p:stCondLst>
+                                  <p:childTnLst>
+                                    <p:set>
+                                      <p:cBhvr>
+                                        <p:cTn id="14" dur="1" fill="hold">
+                                          <p:stCondLst>
+                                            <p:cond delay="0"/>
+                                          </p:stCondLst>
+                                        </p:cTn>
+                                        <p:tgtEl>
+                                          <p:spTgt spid="5">
+                                            <p:txEl>
+                                              <p:pRg st="4" end="4"/>
+                                            </p:txEl>
+                                          </p:spTgt>
+                                        </p:tgtEl>
+                                        <p:attrNameLst>
+                                          <p:attrName>style.visibility</p:attrName>
+                                        </p:attrNameLst>
+                                      </p:cBhvr>
+                                      <p:to>
+                                        <p:strVal val="visible"/>
+                                      </p:to>
+                                    </p:set>
+                                  </p:childTnLst>
+                                </p:cTn>
+                              </p:par>
+                            </p:childTnLst>
+                          </p:cTn>
+                        </p:par>
+                      </p:childTnLst>
+                    </p:cTn>
+                  </p:par>
+                  <p:par>
+                    <p:cTn id="15" fill="hold">
+                      <p:stCondLst>
+                        <p:cond delay="indefinite"/>
+                      </p:stCondLst>
+                      <p:childTnLst>
+                        <p:par>
+                          <p:cTn id="16" fill="hold">
+                            <p:stCondLst>
+                              <p:cond delay="0"/>
+                            </p:stCondLst>
+                            <p:childTnLst>
+                              <p:par>
+                                <p:cTn id="17" presetID="1" presetClass="entr" presetSubtype="0" fill="hold" nodeType="clickEffect">
+                                  <p:stCondLst>
+                                    <p:cond delay="0"/>
+                                  </p:stCondLst>
+                                  <p:childTnLst>
+                                    <p:set>
+                                      <p:cBhvr>
+                                        <p:cTn id="18" dur="1" fill="hold">
+                                          <p:stCondLst>
+                                            <p:cond delay="0"/>
+                                          </p:stCondLst>
+                                        </p:cTn>
+                                        <p:tgtEl>
+                                          <p:spTgt spid="5">
+                                            <p:txEl>
+                                              <p:pRg st="6" end="6"/>
+                                            </p:txEl>
+                                          </p:spTgt>
+                                        </p:tgtEl>
+                                        <p:attrNameLst>
+                                          <p:attrName>style.visibility</p:attrName>
+                                        </p:attrNameLst>
+                                      </p:cBhvr>
+                                      <p:to>
+                                        <p:strVal val="visible"/>
+                                      </p:to>
+                                    </p:set>
+                                  </p:childTnLst>
+                                </p:cTn>
+                              </p:par>
+                            </p:childTnLst>
+                          </p:cTn>
+                        </p:par>
+                      </p:childTnLst>
+                    </p:cTn>
+                  </p:par>
+                </p:childTnLst>
+              </p:cTn>
+              <p:prevCondLst>
+                <p:cond evt="onPrev" delay="0">
+                  <p:tgtEl>
+                    <p:sldTgt/>
+                  </p:tgtEl>
+                </p:cond>
+              </p:prevCondLst>
+              <p:nextCondLst>
+                <p:cond evt="onNext" delay="0">
+                  <p:tgtEl>
+                    <p:sldTgt/>
+                  </p:tgtEl>
+                </p:cond>
+              </p:nextCondLst>
+            </p:seq>
+          </p:childTnLst>
+        </p:cTn>
+      </p:par>
+    </p:tnLst>
+  </p:timing>
 </p:sld>
 </file>
 
